--- a/Video Ver1/Video PPT/2. SQL Commands.pptx
+++ b/Video Ver1/Video PPT/2. SQL Commands.pptx
@@ -114,648 +114,45 @@
   </p:defaultTextStyle>
   <p:extLst>
     <p:ext uri="{521415D9-36F7-43E2-AB2F-B90AF26B5E84}">
-      <p14:sectionLst xmlns:p14="http://schemas.microsoft.com/office/powerpoint/2010/main" xmlns="">
+      <p14:sectionLst xmlns:p14="http://schemas.microsoft.com/office/powerpoint/2010/main">
         <p14:section name="Introduction" id="{A3D14946-8297-4856-B082-4FEFA482017C}">
           <p14:sldIdLst>
-            <p14:sldId id="282"/>
-            <p14:sldId id="257"/>
-            <p14:sldId id="1096"/>
-            <p14:sldId id="1098"/>
-            <p14:sldId id="1093"/>
-            <p14:sldId id="1094"/>
-            <p14:sldId id="1095"/>
-            <p14:sldId id="262"/>
-            <p14:sldId id="1082"/>
-            <p14:sldId id="1099"/>
-            <p14:sldId id="266"/>
-            <p14:sldId id="1100"/>
-            <p14:sldId id="1085"/>
-            <p14:sldId id="1083"/>
-            <p14:sldId id="1070"/>
-            <p14:sldId id="269"/>
-            <p14:sldId id="270"/>
-            <p14:sldId id="271"/>
-            <p14:sldId id="267"/>
-            <p14:sldId id="272"/>
-            <p14:sldId id="273"/>
+            <p14:sldId id="1189"/>
+            <p14:sldId id="1190"/>
+            <p14:sldId id="1191"/>
+            <p14:sldId id="1192"/>
+            <p14:sldId id="1193"/>
+            <p14:sldId id="1194"/>
           </p14:sldIdLst>
         </p14:section>
         <p14:section name="Data Defination Language" id="{347E00EC-A70B-42D3-B55A-27753B89E162}">
-          <p14:sldIdLst>
-            <p14:sldId id="283"/>
-            <p14:sldId id="274"/>
-            <p14:sldId id="275"/>
-            <p14:sldId id="276"/>
-            <p14:sldId id="285"/>
-            <p14:sldId id="286"/>
-            <p14:sldId id="289"/>
-            <p14:sldId id="290"/>
-            <p14:sldId id="291"/>
-            <p14:sldId id="866"/>
-            <p14:sldId id="292"/>
-            <p14:sldId id="293"/>
-            <p14:sldId id="294"/>
-            <p14:sldId id="295"/>
-            <p14:sldId id="296"/>
-            <p14:sldId id="297"/>
-            <p14:sldId id="298"/>
-            <p14:sldId id="300"/>
-            <p14:sldId id="301"/>
-            <p14:sldId id="302"/>
-            <p14:sldId id="1104"/>
-            <p14:sldId id="1147"/>
-            <p14:sldId id="1150"/>
-            <p14:sldId id="305"/>
-            <p14:sldId id="1151"/>
-            <p14:sldId id="306"/>
-            <p14:sldId id="307"/>
-            <p14:sldId id="308"/>
-            <p14:sldId id="1105"/>
-            <p14:sldId id="1148"/>
-            <p14:sldId id="1152"/>
-            <p14:sldId id="311"/>
-            <p14:sldId id="1153"/>
-            <p14:sldId id="312"/>
-            <p14:sldId id="313"/>
-            <p14:sldId id="314"/>
-            <p14:sldId id="315"/>
-            <p14:sldId id="316"/>
-            <p14:sldId id="1158"/>
-            <p14:sldId id="1156"/>
-            <p14:sldId id="1109"/>
-            <p14:sldId id="1157"/>
-            <p14:sldId id="1110"/>
-            <p14:sldId id="319"/>
-            <p14:sldId id="847"/>
-            <p14:sldId id="320"/>
-            <p14:sldId id="1149"/>
-            <p14:sldId id="1111"/>
-            <p14:sldId id="1154"/>
-            <p14:sldId id="1107"/>
-            <p14:sldId id="1155"/>
-            <p14:sldId id="1108"/>
-            <p14:sldId id="1106"/>
-            <p14:sldId id="321"/>
-            <p14:sldId id="322"/>
-            <p14:sldId id="323"/>
-            <p14:sldId id="324"/>
-            <p14:sldId id="325"/>
-            <p14:sldId id="326"/>
-            <p14:sldId id="327"/>
-            <p14:sldId id="328"/>
-            <p14:sldId id="329"/>
-            <p14:sldId id="330"/>
-            <p14:sldId id="848"/>
-            <p14:sldId id="849"/>
-            <p14:sldId id="851"/>
-            <p14:sldId id="331"/>
-            <p14:sldId id="1144"/>
-            <p14:sldId id="336"/>
-            <p14:sldId id="852"/>
-            <p14:sldId id="334"/>
-            <p14:sldId id="337"/>
-            <p14:sldId id="338"/>
-            <p14:sldId id="339"/>
-            <p14:sldId id="1159"/>
-            <p14:sldId id="1163"/>
-            <p14:sldId id="1160"/>
-            <p14:sldId id="1164"/>
-            <p14:sldId id="1161"/>
-            <p14:sldId id="1165"/>
-            <p14:sldId id="1167"/>
-            <p14:sldId id="1162"/>
-            <p14:sldId id="1166"/>
-            <p14:sldId id="1140"/>
-            <p14:sldId id="340"/>
-            <p14:sldId id="341"/>
-            <p14:sldId id="342"/>
-            <p14:sldId id="343"/>
-            <p14:sldId id="344"/>
-            <p14:sldId id="345"/>
-            <p14:sldId id="346"/>
-            <p14:sldId id="347"/>
-            <p14:sldId id="348"/>
-            <p14:sldId id="349"/>
-            <p14:sldId id="350"/>
-            <p14:sldId id="351"/>
-            <p14:sldId id="352"/>
-            <p14:sldId id="1079"/>
-            <p14:sldId id="1080"/>
-            <p14:sldId id="353"/>
-            <p14:sldId id="354"/>
-            <p14:sldId id="355"/>
-            <p14:sldId id="356"/>
-            <p14:sldId id="357"/>
-            <p14:sldId id="358"/>
-            <p14:sldId id="359"/>
-            <p14:sldId id="360"/>
-            <p14:sldId id="361"/>
-            <p14:sldId id="1131"/>
-            <p14:sldId id="362"/>
-            <p14:sldId id="365"/>
-            <p14:sldId id="366"/>
-          </p14:sldIdLst>
+          <p14:sldIdLst/>
         </p14:section>
         <p14:section name="Data Manuplation Language" id="{DABA1552-33D0-4262-A930-69DA7CCB6843}">
-          <p14:sldIdLst>
-            <p14:sldId id="367"/>
-            <p14:sldId id="368"/>
-            <p14:sldId id="369"/>
-            <p14:sldId id="371"/>
-            <p14:sldId id="1126"/>
-            <p14:sldId id="372"/>
-            <p14:sldId id="1125"/>
-            <p14:sldId id="373"/>
-            <p14:sldId id="374"/>
-            <p14:sldId id="375"/>
-            <p14:sldId id="376"/>
-            <p14:sldId id="377"/>
-            <p14:sldId id="380"/>
-            <p14:sldId id="381"/>
-            <p14:sldId id="382"/>
-            <p14:sldId id="383"/>
-            <p14:sldId id="1081"/>
-            <p14:sldId id="384"/>
-            <p14:sldId id="385"/>
-            <p14:sldId id="386"/>
-            <p14:sldId id="387"/>
-            <p14:sldId id="388"/>
-            <p14:sldId id="389"/>
-            <p14:sldId id="390"/>
-            <p14:sldId id="391"/>
-            <p14:sldId id="853"/>
-            <p14:sldId id="1102"/>
-            <p14:sldId id="855"/>
-            <p14:sldId id="856"/>
-            <p14:sldId id="857"/>
-            <p14:sldId id="858"/>
-            <p14:sldId id="393"/>
-            <p14:sldId id="394"/>
-            <p14:sldId id="395"/>
-            <p14:sldId id="397"/>
-            <p14:sldId id="398"/>
-            <p14:sldId id="402"/>
-            <p14:sldId id="403"/>
-            <p14:sldId id="404"/>
-            <p14:sldId id="405"/>
-            <p14:sldId id="406"/>
-            <p14:sldId id="413"/>
-            <p14:sldId id="414"/>
-            <p14:sldId id="415"/>
-            <p14:sldId id="416"/>
-            <p14:sldId id="417"/>
-            <p14:sldId id="418"/>
-            <p14:sldId id="419"/>
-            <p14:sldId id="420"/>
-            <p14:sldId id="421"/>
-            <p14:sldId id="1113"/>
-            <p14:sldId id="1042"/>
-            <p14:sldId id="1114"/>
-            <p14:sldId id="1127"/>
-            <p14:sldId id="1115"/>
-            <p14:sldId id="1116"/>
-            <p14:sldId id="428"/>
-            <p14:sldId id="429"/>
-            <p14:sldId id="1128"/>
-            <p14:sldId id="430"/>
-            <p14:sldId id="431"/>
-            <p14:sldId id="434"/>
-            <p14:sldId id="435"/>
-            <p14:sldId id="436"/>
-            <p14:sldId id="437"/>
-            <p14:sldId id="438"/>
-            <p14:sldId id="443"/>
-            <p14:sldId id="445"/>
-            <p14:sldId id="446"/>
-            <p14:sldId id="440"/>
-            <p14:sldId id="441"/>
-            <p14:sldId id="442"/>
-            <p14:sldId id="453"/>
-            <p14:sldId id="454"/>
-            <p14:sldId id="455"/>
-            <p14:sldId id="456"/>
-            <p14:sldId id="457"/>
-            <p14:sldId id="458"/>
-            <p14:sldId id="459"/>
-            <p14:sldId id="460"/>
-            <p14:sldId id="461"/>
-            <p14:sldId id="462"/>
-            <p14:sldId id="463"/>
-            <p14:sldId id="464"/>
-            <p14:sldId id="467"/>
-            <p14:sldId id="468"/>
-            <p14:sldId id="469"/>
-            <p14:sldId id="470"/>
-            <p14:sldId id="471"/>
-            <p14:sldId id="472"/>
-            <p14:sldId id="473"/>
-            <p14:sldId id="477"/>
-            <p14:sldId id="478"/>
-            <p14:sldId id="479"/>
-            <p14:sldId id="480"/>
-            <p14:sldId id="481"/>
-            <p14:sldId id="482"/>
-            <p14:sldId id="483"/>
-            <p14:sldId id="484"/>
-            <p14:sldId id="485"/>
-            <p14:sldId id="486"/>
-            <p14:sldId id="487"/>
-            <p14:sldId id="488"/>
-            <p14:sldId id="489"/>
-            <p14:sldId id="490"/>
-            <p14:sldId id="491"/>
-            <p14:sldId id="492"/>
-            <p14:sldId id="493"/>
-            <p14:sldId id="494"/>
-            <p14:sldId id="495"/>
-            <p14:sldId id="496"/>
-            <p14:sldId id="497"/>
-            <p14:sldId id="498"/>
-            <p14:sldId id="499"/>
-            <p14:sldId id="500"/>
-            <p14:sldId id="501"/>
-            <p14:sldId id="502"/>
-            <p14:sldId id="504"/>
-            <p14:sldId id="505"/>
-            <p14:sldId id="506"/>
-            <p14:sldId id="507"/>
-            <p14:sldId id="508"/>
-            <p14:sldId id="509"/>
-            <p14:sldId id="510"/>
-            <p14:sldId id="511"/>
-            <p14:sldId id="512"/>
-            <p14:sldId id="513"/>
-            <p14:sldId id="514"/>
-            <p14:sldId id="515"/>
-            <p14:sldId id="516"/>
-            <p14:sldId id="517"/>
-            <p14:sldId id="518"/>
-            <p14:sldId id="519"/>
-            <p14:sldId id="520"/>
-            <p14:sldId id="521"/>
-            <p14:sldId id="522"/>
-            <p14:sldId id="523"/>
-            <p14:sldId id="1123"/>
-            <p14:sldId id="524"/>
-            <p14:sldId id="1124"/>
-            <p14:sldId id="525"/>
-            <p14:sldId id="526"/>
-            <p14:sldId id="527"/>
-            <p14:sldId id="1122"/>
-            <p14:sldId id="529"/>
-            <p14:sldId id="530"/>
-            <p14:sldId id="531"/>
-            <p14:sldId id="532"/>
-            <p14:sldId id="533"/>
-            <p14:sldId id="534"/>
-            <p14:sldId id="535"/>
-            <p14:sldId id="536"/>
-            <p14:sldId id="537"/>
-            <p14:sldId id="538"/>
-            <p14:sldId id="539"/>
-            <p14:sldId id="540"/>
-            <p14:sldId id="541"/>
-            <p14:sldId id="542"/>
-            <p14:sldId id="543"/>
-            <p14:sldId id="1121"/>
-            <p14:sldId id="544"/>
-            <p14:sldId id="545"/>
-            <p14:sldId id="546"/>
-            <p14:sldId id="547"/>
-            <p14:sldId id="548"/>
-            <p14:sldId id="549"/>
-            <p14:sldId id="550"/>
-            <p14:sldId id="551"/>
-            <p14:sldId id="552"/>
-            <p14:sldId id="553"/>
-            <p14:sldId id="554"/>
-            <p14:sldId id="555"/>
-            <p14:sldId id="556"/>
-            <p14:sldId id="557"/>
-            <p14:sldId id="558"/>
-          </p14:sldIdLst>
+          <p14:sldIdLst/>
         </p14:section>
         <p14:section name="Theory Section" id="{34884AC8-2BB3-410A-B367-3356E05FE22B}">
-          <p14:sldIdLst>
-            <p14:sldId id="618"/>
-            <p14:sldId id="563"/>
-            <p14:sldId id="564"/>
-            <p14:sldId id="565"/>
-            <p14:sldId id="566"/>
-            <p14:sldId id="567"/>
-            <p14:sldId id="570"/>
-            <p14:sldId id="571"/>
-            <p14:sldId id="572"/>
-            <p14:sldId id="573"/>
-            <p14:sldId id="574"/>
-            <p14:sldId id="575"/>
-            <p14:sldId id="576"/>
-            <p14:sldId id="577"/>
-            <p14:sldId id="578"/>
-            <p14:sldId id="579"/>
-            <p14:sldId id="580"/>
-            <p14:sldId id="581"/>
-            <p14:sldId id="582"/>
-            <p14:sldId id="583"/>
-            <p14:sldId id="584"/>
-            <p14:sldId id="585"/>
-            <p14:sldId id="586"/>
-            <p14:sldId id="587"/>
-            <p14:sldId id="588"/>
-            <p14:sldId id="589"/>
-            <p14:sldId id="590"/>
-            <p14:sldId id="1141"/>
-            <p14:sldId id="591"/>
-            <p14:sldId id="1142"/>
-            <p14:sldId id="592"/>
-            <p14:sldId id="593"/>
-            <p14:sldId id="1143"/>
-            <p14:sldId id="594"/>
-            <p14:sldId id="595"/>
-            <p14:sldId id="596"/>
-            <p14:sldId id="597"/>
-            <p14:sldId id="598"/>
-            <p14:sldId id="599"/>
-            <p14:sldId id="602"/>
-            <p14:sldId id="603"/>
-            <p14:sldId id="604"/>
-            <p14:sldId id="605"/>
-            <p14:sldId id="606"/>
-            <p14:sldId id="607"/>
-          </p14:sldIdLst>
+          <p14:sldIdLst/>
         </p14:section>
         <p14:section name="Normatization" id="{EF0E5AD4-5FD4-4F19-A19E-E102405AA098}">
-          <p14:sldIdLst>
-            <p14:sldId id="619"/>
-            <p14:sldId id="620"/>
-            <p14:sldId id="621"/>
-            <p14:sldId id="622"/>
-            <p14:sldId id="623"/>
-            <p14:sldId id="624"/>
-            <p14:sldId id="625"/>
-            <p14:sldId id="626"/>
-            <p14:sldId id="627"/>
-            <p14:sldId id="628"/>
-            <p14:sldId id="629"/>
-            <p14:sldId id="630"/>
-            <p14:sldId id="631"/>
-            <p14:sldId id="860"/>
-            <p14:sldId id="861"/>
-            <p14:sldId id="862"/>
-            <p14:sldId id="632"/>
-            <p14:sldId id="633"/>
-            <p14:sldId id="634"/>
-            <p14:sldId id="1086"/>
-            <p14:sldId id="635"/>
-            <p14:sldId id="1087"/>
-            <p14:sldId id="636"/>
-            <p14:sldId id="637"/>
-            <p14:sldId id="1088"/>
-            <p14:sldId id="638"/>
-            <p14:sldId id="639"/>
-            <p14:sldId id="640"/>
-            <p14:sldId id="641"/>
-          </p14:sldIdLst>
+          <p14:sldIdLst/>
         </p14:section>
         <p14:section name="Stored Procedure and Function" id="{B62913B0-EC9F-4436-BEDC-4DCBF9A2B3AB}">
-          <p14:sldIdLst>
-            <p14:sldId id="642"/>
-            <p14:sldId id="643"/>
-            <p14:sldId id="644"/>
-            <p14:sldId id="645"/>
-            <p14:sldId id="646"/>
-            <p14:sldId id="647"/>
-            <p14:sldId id="648"/>
-            <p14:sldId id="649"/>
-            <p14:sldId id="650"/>
-            <p14:sldId id="651"/>
-            <p14:sldId id="652"/>
-            <p14:sldId id="653"/>
-            <p14:sldId id="654"/>
-            <p14:sldId id="655"/>
-            <p14:sldId id="656"/>
-            <p14:sldId id="657"/>
-            <p14:sldId id="658"/>
-            <p14:sldId id="669"/>
-            <p14:sldId id="670"/>
-            <p14:sldId id="1139"/>
-            <p14:sldId id="661"/>
-            <p14:sldId id="662"/>
-            <p14:sldId id="663"/>
-            <p14:sldId id="1132"/>
-            <p14:sldId id="668"/>
-            <p14:sldId id="672"/>
-            <p14:sldId id="673"/>
-            <p14:sldId id="1136"/>
-            <p14:sldId id="1137"/>
-            <p14:sldId id="1138"/>
-            <p14:sldId id="675"/>
-            <p14:sldId id="676"/>
-            <p14:sldId id="677"/>
-            <p14:sldId id="678"/>
-            <p14:sldId id="679"/>
-            <p14:sldId id="680"/>
-          </p14:sldIdLst>
+          <p14:sldIdLst/>
         </p14:section>
         <p14:section name="Triggers" id="{43413A11-6D7B-4E6D-B88B-1C10283CD29F}">
-          <p14:sldIdLst>
-            <p14:sldId id="681"/>
-            <p14:sldId id="682"/>
-            <p14:sldId id="683"/>
-            <p14:sldId id="684"/>
-            <p14:sldId id="686"/>
-            <p14:sldId id="688"/>
-            <p14:sldId id="1133"/>
-            <p14:sldId id="692"/>
-            <p14:sldId id="1134"/>
-            <p14:sldId id="1135"/>
-            <p14:sldId id="689"/>
-            <p14:sldId id="690"/>
-            <p14:sldId id="691"/>
-            <p14:sldId id="693"/>
-            <p14:sldId id="694"/>
-            <p14:sldId id="695"/>
-            <p14:sldId id="696"/>
-            <p14:sldId id="697"/>
-            <p14:sldId id="698"/>
-          </p14:sldIdLst>
+          <p14:sldIdLst/>
         </p14:section>
         <p14:section name="NoSQL" id="{043CF6B2-E975-4043-812B-33699AD3D23F}">
-          <p14:sldIdLst>
-            <p14:sldId id="699"/>
-            <p14:sldId id="700"/>
-            <p14:sldId id="707"/>
-            <p14:sldId id="701"/>
-            <p14:sldId id="702"/>
-            <p14:sldId id="703"/>
-            <p14:sldId id="704"/>
-            <p14:sldId id="1130"/>
-            <p14:sldId id="705"/>
-            <p14:sldId id="708"/>
-            <p14:sldId id="1089"/>
-            <p14:sldId id="864"/>
-            <p14:sldId id="709"/>
-            <p14:sldId id="710"/>
-            <p14:sldId id="711"/>
-            <p14:sldId id="712"/>
-            <p14:sldId id="713"/>
-            <p14:sldId id="714"/>
-            <p14:sldId id="715"/>
-            <p14:sldId id="716"/>
-            <p14:sldId id="717"/>
-            <p14:sldId id="718"/>
-            <p14:sldId id="719"/>
-            <p14:sldId id="720"/>
-            <p14:sldId id="721"/>
-            <p14:sldId id="722"/>
-            <p14:sldId id="723"/>
-            <p14:sldId id="724"/>
-            <p14:sldId id="725"/>
-            <p14:sldId id="726"/>
-            <p14:sldId id="727"/>
-            <p14:sldId id="728"/>
-            <p14:sldId id="729"/>
-            <p14:sldId id="730"/>
-            <p14:sldId id="731"/>
-            <p14:sldId id="732"/>
-            <p14:sldId id="733"/>
-            <p14:sldId id="734"/>
-            <p14:sldId id="735"/>
-            <p14:sldId id="736"/>
-            <p14:sldId id="737"/>
-            <p14:sldId id="738"/>
-            <p14:sldId id="739"/>
-            <p14:sldId id="740"/>
-            <p14:sldId id="741"/>
-            <p14:sldId id="742"/>
-            <p14:sldId id="743"/>
-            <p14:sldId id="744"/>
-            <p14:sldId id="745"/>
-            <p14:sldId id="746"/>
-            <p14:sldId id="747"/>
-            <p14:sldId id="748"/>
-            <p14:sldId id="749"/>
-            <p14:sldId id="750"/>
-            <p14:sldId id="751"/>
-            <p14:sldId id="752"/>
-            <p14:sldId id="753"/>
-            <p14:sldId id="754"/>
-            <p14:sldId id="755"/>
-            <p14:sldId id="756"/>
-            <p14:sldId id="757"/>
-            <p14:sldId id="758"/>
-            <p14:sldId id="759"/>
-            <p14:sldId id="760"/>
-            <p14:sldId id="761"/>
-            <p14:sldId id="762"/>
-            <p14:sldId id="763"/>
-            <p14:sldId id="764"/>
-            <p14:sldId id="765"/>
-            <p14:sldId id="766"/>
-            <p14:sldId id="767"/>
-            <p14:sldId id="768"/>
-            <p14:sldId id="769"/>
-            <p14:sldId id="770"/>
-            <p14:sldId id="771"/>
-            <p14:sldId id="772"/>
-            <p14:sldId id="773"/>
-            <p14:sldId id="774"/>
-            <p14:sldId id="775"/>
-            <p14:sldId id="776"/>
-            <p14:sldId id="777"/>
-            <p14:sldId id="778"/>
-            <p14:sldId id="779"/>
-            <p14:sldId id="780"/>
-            <p14:sldId id="781"/>
-            <p14:sldId id="782"/>
-            <p14:sldId id="783"/>
-            <p14:sldId id="784"/>
-            <p14:sldId id="785"/>
-            <p14:sldId id="786"/>
-            <p14:sldId id="787"/>
-            <p14:sldId id="788"/>
-            <p14:sldId id="789"/>
-            <p14:sldId id="790"/>
-            <p14:sldId id="791"/>
-            <p14:sldId id="792"/>
-            <p14:sldId id="793"/>
-            <p14:sldId id="794"/>
-            <p14:sldId id="795"/>
-            <p14:sldId id="796"/>
-            <p14:sldId id="797"/>
-            <p14:sldId id="798"/>
-            <p14:sldId id="799"/>
-            <p14:sldId id="800"/>
-            <p14:sldId id="801"/>
-            <p14:sldId id="802"/>
-            <p14:sldId id="803"/>
-            <p14:sldId id="804"/>
-            <p14:sldId id="805"/>
-            <p14:sldId id="806"/>
-            <p14:sldId id="807"/>
-            <p14:sldId id="808"/>
-            <p14:sldId id="809"/>
-            <p14:sldId id="810"/>
-            <p14:sldId id="811"/>
-            <p14:sldId id="812"/>
-            <p14:sldId id="813"/>
-            <p14:sldId id="814"/>
-            <p14:sldId id="815"/>
-            <p14:sldId id="816"/>
-            <p14:sldId id="817"/>
-            <p14:sldId id="818"/>
-            <p14:sldId id="819"/>
-            <p14:sldId id="820"/>
-            <p14:sldId id="821"/>
-            <p14:sldId id="822"/>
-            <p14:sldId id="823"/>
-            <p14:sldId id="824"/>
-            <p14:sldId id="825"/>
-            <p14:sldId id="826"/>
-            <p14:sldId id="827"/>
-            <p14:sldId id="828"/>
-            <p14:sldId id="829"/>
-            <p14:sldId id="830"/>
-            <p14:sldId id="831"/>
-            <p14:sldId id="832"/>
-            <p14:sldId id="833"/>
-            <p14:sldId id="834"/>
-            <p14:sldId id="835"/>
-            <p14:sldId id="836"/>
-            <p14:sldId id="837"/>
-            <p14:sldId id="838"/>
-            <p14:sldId id="839"/>
-            <p14:sldId id="840"/>
-            <p14:sldId id="841"/>
-          </p14:sldIdLst>
+          <p14:sldIdLst/>
         </p14:section>
         <p14:section name="Big Data" id="{714FF753-78D3-4CFC-AD17-400810612444}">
-          <p14:sldIdLst>
-            <p14:sldId id="842"/>
-            <p14:sldId id="843"/>
-            <p14:sldId id="844"/>
-            <p14:sldId id="845"/>
-            <p14:sldId id="863"/>
-            <p14:sldId id="865"/>
-            <p14:sldId id="846"/>
-            <p14:sldId id="503"/>
-            <p14:sldId id="1101"/>
-            <p14:sldId id="1118"/>
-            <p14:sldId id="1120"/>
-            <p14:sldId id="1171"/>
-            <p14:sldId id="1170"/>
-            <p14:sldId id="1169"/>
-            <p14:sldId id="1168"/>
-            <p14:sldId id="1172"/>
-            <p14:sldId id="1173"/>
-            <p14:sldId id="1174"/>
-            <p14:sldId id="1175"/>
-          </p14:sldIdLst>
+          <p14:sldIdLst/>
         </p14:section>
       </p14:sectionLst>
     </p:ext>
     <p:ext uri="{EFAFB233-063F-42B5-8137-9DF3F51BA10A}">
-      <p15:sldGuideLst xmlns:p15="http://schemas.microsoft.com/office/powerpoint/2012/main" xmlns="">
+      <p15:sldGuideLst xmlns:p15="http://schemas.microsoft.com/office/powerpoint/2012/main">
         <p15:guide id="1" orient="horz" pos="2160">
           <p15:clr>
             <a:srgbClr val="A4A3A4"/>
@@ -777,7 +174,7 @@
   <p:cmAuthor id="1" name="Saleel" initials="S" lastIdx="1" clrIdx="0">
     <p:extLst>
       <p:ext uri="{19B8F6BF-5375-455C-9EA6-DF929625EA0E}">
-        <p15:presenceInfo xmlns:p15="http://schemas.microsoft.com/office/powerpoint/2012/main" xmlns="" userId="Saleel" providerId="None"/>
+        <p15:presenceInfo xmlns:p15="http://schemas.microsoft.com/office/powerpoint/2012/main" userId="Saleel" providerId="None"/>
       </p:ext>
     </p:extLst>
   </p:cmAuthor>
@@ -867,7 +264,7 @@
             <a:fld id="{4DF51050-3720-483B-B552-57DC1341D582}" type="datetimeFigureOut">
               <a:rPr lang="en-US" smtClean="0"/>
               <a:pPr/>
-              <a:t>6/4/2020</a:t>
+              <a:t>6/5/2020</a:t>
             </a:fld>
             <a:endParaRPr lang="en-US"/>
           </a:p>
@@ -1326,7 +723,7 @@
             <a:fld id="{EEE556E8-492E-4E8F-8E7F-7A7787724D01}" type="datetimeFigureOut">
               <a:rPr lang="en-US" smtClean="0"/>
               <a:pPr/>
-              <a:t>6/4/2020</a:t>
+              <a:t>6/5/2020</a:t>
             </a:fld>
             <a:endParaRPr lang="en-US"/>
           </a:p>
@@ -1531,7 +928,7 @@
             <a:fld id="{EEE556E8-492E-4E8F-8E7F-7A7787724D01}" type="datetimeFigureOut">
               <a:rPr lang="en-US" smtClean="0"/>
               <a:pPr/>
-              <a:t>6/4/2020</a:t>
+              <a:t>6/5/2020</a:t>
             </a:fld>
             <a:endParaRPr lang="en-US"/>
           </a:p>
@@ -1736,7 +1133,7 @@
             <a:fld id="{EEE556E8-492E-4E8F-8E7F-7A7787724D01}" type="datetimeFigureOut">
               <a:rPr lang="en-US" smtClean="0"/>
               <a:pPr/>
-              <a:t>6/4/2020</a:t>
+              <a:t>6/5/2020</a:t>
             </a:fld>
             <a:endParaRPr lang="en-US"/>
           </a:p>
@@ -1941,7 +1338,7 @@
             <a:fld id="{EEE556E8-492E-4E8F-8E7F-7A7787724D01}" type="datetimeFigureOut">
               <a:rPr lang="en-US" smtClean="0"/>
               <a:pPr/>
-              <a:t>6/4/2020</a:t>
+              <a:t>6/5/2020</a:t>
             </a:fld>
             <a:endParaRPr lang="en-US"/>
           </a:p>
@@ -2213,7 +1610,7 @@
             <a:fld id="{EEE556E8-492E-4E8F-8E7F-7A7787724D01}" type="datetimeFigureOut">
               <a:rPr lang="en-US" smtClean="0"/>
               <a:pPr/>
-              <a:t>6/4/2020</a:t>
+              <a:t>6/5/2020</a:t>
             </a:fld>
             <a:endParaRPr lang="en-US"/>
           </a:p>
@@ -2533,7 +1930,7 @@
             <a:fld id="{EEE556E8-492E-4E8F-8E7F-7A7787724D01}" type="datetimeFigureOut">
               <a:rPr lang="en-US" smtClean="0"/>
               <a:pPr/>
-              <a:t>6/4/2020</a:t>
+              <a:t>6/5/2020</a:t>
             </a:fld>
             <a:endParaRPr lang="en-US"/>
           </a:p>
@@ -2993,7 +2390,7 @@
             <a:fld id="{EEE556E8-492E-4E8F-8E7F-7A7787724D01}" type="datetimeFigureOut">
               <a:rPr lang="en-US" smtClean="0"/>
               <a:pPr/>
-              <a:t>6/4/2020</a:t>
+              <a:t>6/5/2020</a:t>
             </a:fld>
             <a:endParaRPr lang="en-US"/>
           </a:p>
@@ -3139,7 +2536,7 @@
             <a:fld id="{EEE556E8-492E-4E8F-8E7F-7A7787724D01}" type="datetimeFigureOut">
               <a:rPr lang="en-US" smtClean="0"/>
               <a:pPr/>
-              <a:t>6/4/2020</a:t>
+              <a:t>6/5/2020</a:t>
             </a:fld>
             <a:endParaRPr lang="en-US"/>
           </a:p>
@@ -3469,7 +2866,7 @@
             <a:fld id="{EEE556E8-492E-4E8F-8E7F-7A7787724D01}" type="datetimeFigureOut">
               <a:rPr lang="en-US" smtClean="0"/>
               <a:pPr/>
-              <a:t>6/4/2020</a:t>
+              <a:t>6/5/2020</a:t>
             </a:fld>
             <a:endParaRPr lang="en-US"/>
           </a:p>
@@ -3751,7 +3148,7 @@
             <a:fld id="{EEE556E8-492E-4E8F-8E7F-7A7787724D01}" type="datetimeFigureOut">
               <a:rPr lang="en-US" smtClean="0"/>
               <a:pPr/>
-              <a:t>6/4/2020</a:t>
+              <a:t>6/5/2020</a:t>
             </a:fld>
             <a:endParaRPr lang="en-US"/>
           </a:p>
@@ -4162,16 +3559,12 @@
               <a:defRPr/>
             </a:pPr>
             <a:r>
-              <a:rPr lang="en-IN" sz="4800" dirty="0" smtClean="0">
+              <a:rPr lang="en-IN" sz="4800" dirty="0">
                 <a:latin typeface="Segoe UI Light" panose="020B0502040204020203" pitchFamily="34" charset="0"/>
                 <a:cs typeface="Segoe UI Light" panose="020B0502040204020203" pitchFamily="34" charset="0"/>
               </a:rPr>
               <a:t>SQL Commands</a:t>
             </a:r>
-            <a:endParaRPr lang="en-IN" sz="4800" dirty="0">
-              <a:latin typeface="Segoe UI Light" panose="020B0502040204020203" pitchFamily="34" charset="0"/>
-              <a:cs typeface="Segoe UI Light" panose="020B0502040204020203" pitchFamily="34" charset="0"/>
-            </a:endParaRPr>
           </a:p>
         </p:txBody>
       </p:sp>
@@ -4180,7 +3573,7 @@
           <p:cNvPr id="3" name="Picture 2">
             <a:extLst>
               <a:ext uri="{FF2B5EF4-FFF2-40B4-BE49-F238E27FC236}">
-                <a16:creationId xmlns:a16="http://schemas.microsoft.com/office/drawing/2014/main" xmlns="" id="{B5C1FD02-D961-4CAF-BF5C-47309320BDE6}"/>
+                <a16:creationId xmlns:a16="http://schemas.microsoft.com/office/drawing/2014/main" id="{B5C1FD02-D961-4CAF-BF5C-47309320BDE6}"/>
               </a:ext>
             </a:extLst>
           </p:cNvPr>
@@ -4193,7 +3586,7 @@
           <a:blip r:embed="rId2" cstate="print">
             <a:extLst>
               <a:ext uri="{28A0092B-C50C-407E-A947-70E740481C1C}">
-                <a14:useLocalDpi xmlns:a14="http://schemas.microsoft.com/office/drawing/2010/main" xmlns="" val="0"/>
+                <a14:useLocalDpi xmlns:a14="http://schemas.microsoft.com/office/drawing/2010/main" val="0"/>
               </a:ext>
             </a:extLst>
           </a:blip>
@@ -4216,7 +3609,7 @@
           <p:cNvPr id="4" name="Footer Placeholder 2">
             <a:extLst>
               <a:ext uri="{FF2B5EF4-FFF2-40B4-BE49-F238E27FC236}">
-                <a16:creationId xmlns:a16="http://schemas.microsoft.com/office/drawing/2014/main" xmlns="" id="{8AC76C4F-4C95-4C8D-AF8A-E786504CFA0E}"/>
+                <a16:creationId xmlns:a16="http://schemas.microsoft.com/office/drawing/2014/main" id="{8AC76C4F-4C95-4C8D-AF8A-E786504CFA0E}"/>
               </a:ext>
             </a:extLst>
           </p:cNvPr>
@@ -4348,7 +3741,7 @@
           <p:cNvPr id="7" name="Rectangle 6">
             <a:extLst>
               <a:ext uri="{FF2B5EF4-FFF2-40B4-BE49-F238E27FC236}">
-                <a16:creationId xmlns:a16="http://schemas.microsoft.com/office/drawing/2014/main" xmlns="" id="{8153EDC4-CB36-45EB-A136-391B0BA57198}"/>
+                <a16:creationId xmlns:a16="http://schemas.microsoft.com/office/drawing/2014/main" id="{8153EDC4-CB36-45EB-A136-391B0BA57198}"/>
               </a:ext>
             </a:extLst>
           </p:cNvPr>
@@ -4461,42 +3854,10 @@
           </a:p>
         </p:txBody>
       </p:sp>
-      <p:sp>
-        <p:nvSpPr>
-          <p:cNvPr id="6" name="Rectangle 5"/>
-          <p:cNvSpPr/>
-          <p:nvPr/>
-        </p:nvSpPr>
-        <p:spPr>
-          <a:xfrm>
-            <a:off x="11755679" y="0"/>
-            <a:ext cx="434734" cy="369332"/>
-          </a:xfrm>
-          <a:prstGeom prst="rect">
-            <a:avLst/>
-          </a:prstGeom>
-        </p:spPr>
-        <p:txBody>
-          <a:bodyPr wrap="none">
-            <a:spAutoFit/>
-          </a:bodyPr>
-          <a:lstStyle/>
-          <a:p>
-            <a:r>
-              <a:rPr lang="en-IN" dirty="0" smtClean="0">
-                <a:latin typeface="Segoe UI Light" panose="020B0502040204020203" pitchFamily="34" charset="0"/>
-                <a:cs typeface="Segoe UI Light" panose="020B0502040204020203" pitchFamily="34" charset="0"/>
-              </a:rPr>
-              <a:t>(2)</a:t>
-            </a:r>
-            <a:endParaRPr lang="en-US" dirty="0"/>
-          </a:p>
-        </p:txBody>
-      </p:sp>
     </p:spTree>
     <p:extLst>
       <p:ext uri="{BB962C8B-B14F-4D97-AF65-F5344CB8AC3E}">
-        <p14:creationId xmlns:p14="http://schemas.microsoft.com/office/powerpoint/2010/main" xmlns="" val="1792769669"/>
+        <p14:creationId xmlns:p14="http://schemas.microsoft.com/office/powerpoint/2010/main" val="1792769669"/>
       </p:ext>
     </p:extLst>
   </p:cSld>
@@ -4528,7 +3889,7 @@
           <p:cNvPr id="4" name="Picture 3">
             <a:extLst>
               <a:ext uri="{FF2B5EF4-FFF2-40B4-BE49-F238E27FC236}">
-                <a16:creationId xmlns:a16="http://schemas.microsoft.com/office/drawing/2014/main" xmlns="" id="{4B3E96E4-8532-4FFA-8020-A53D8FBA2F23}"/>
+                <a16:creationId xmlns:a16="http://schemas.microsoft.com/office/drawing/2014/main" id="{4B3E96E4-8532-4FFA-8020-A53D8FBA2F23}"/>
               </a:ext>
             </a:extLst>
           </p:cNvPr>
@@ -4541,7 +3902,7 @@
           <a:blip r:embed="rId2" cstate="print">
             <a:extLst>
               <a:ext uri="{28A0092B-C50C-407E-A947-70E740481C1C}">
-                <a14:useLocalDpi xmlns:a14="http://schemas.microsoft.com/office/drawing/2010/main" xmlns="" val="0"/>
+                <a14:useLocalDpi xmlns:a14="http://schemas.microsoft.com/office/drawing/2010/main" val="0"/>
               </a:ext>
             </a:extLst>
           </a:blip>
@@ -4564,7 +3925,7 @@
           <p:cNvPr id="5" name="Footer Placeholder 2">
             <a:extLst>
               <a:ext uri="{FF2B5EF4-FFF2-40B4-BE49-F238E27FC236}">
-                <a16:creationId xmlns:a16="http://schemas.microsoft.com/office/drawing/2014/main" xmlns="" id="{70AFCD6D-DBA1-4EE8-A96A-D9652119B5FA}"/>
+                <a16:creationId xmlns:a16="http://schemas.microsoft.com/office/drawing/2014/main" id="{70AFCD6D-DBA1-4EE8-A96A-D9652119B5FA}"/>
               </a:ext>
             </a:extLst>
           </p:cNvPr>
@@ -4696,7 +4057,7 @@
           <p:cNvPr id="7" name="Rectangle 6">
             <a:extLst>
               <a:ext uri="{FF2B5EF4-FFF2-40B4-BE49-F238E27FC236}">
-                <a16:creationId xmlns:a16="http://schemas.microsoft.com/office/drawing/2014/main" xmlns="" id="{09A4DD51-F450-4FA7-BA18-C2A26D10D72C}"/>
+                <a16:creationId xmlns:a16="http://schemas.microsoft.com/office/drawing/2014/main" id="{09A4DD51-F450-4FA7-BA18-C2A26D10D72C}"/>
               </a:ext>
             </a:extLst>
           </p:cNvPr>
@@ -4749,7 +4110,7 @@
           <p:cNvPr id="8" name="Rectangle 7">
             <a:extLst>
               <a:ext uri="{FF2B5EF4-FFF2-40B4-BE49-F238E27FC236}">
-                <a16:creationId xmlns:a16="http://schemas.microsoft.com/office/drawing/2014/main" xmlns="" id="{C707D178-938A-42DB-AC53-9C9F9C8D4B88}"/>
+                <a16:creationId xmlns:a16="http://schemas.microsoft.com/office/drawing/2014/main" id="{C707D178-938A-42DB-AC53-9C9F9C8D4B88}"/>
               </a:ext>
             </a:extLst>
           </p:cNvPr>
@@ -4800,7 +4161,7 @@
           <p:cNvPr id="9" name="Rectangle 8">
             <a:extLst>
               <a:ext uri="{FF2B5EF4-FFF2-40B4-BE49-F238E27FC236}">
-                <a16:creationId xmlns:a16="http://schemas.microsoft.com/office/drawing/2014/main" xmlns="" id="{E06A65BF-748F-4D11-AF08-BBF35022EAFD}"/>
+                <a16:creationId xmlns:a16="http://schemas.microsoft.com/office/drawing/2014/main" id="{E06A65BF-748F-4D11-AF08-BBF35022EAFD}"/>
               </a:ext>
             </a:extLst>
           </p:cNvPr>
@@ -4810,7 +4171,7 @@
         <p:spPr>
           <a:xfrm>
             <a:off x="191018" y="1484784"/>
-            <a:ext cx="11592820" cy="5170646"/>
+            <a:ext cx="11592820" cy="2431435"/>
           </a:xfrm>
           <a:prstGeom prst="rect">
             <a:avLst/>
@@ -4848,19 +4209,7 @@
                 </a:solidFill>
                 <a:latin typeface="Palatino Linotype" panose="02040502050505030304" pitchFamily="18" charset="0"/>
               </a:rPr>
-              <a:t>: It is used to create the database and its objects (like tables, functions, views, indexes, procedures, triggers</a:t>
-            </a:r>
-            <a:r>
-              <a:rPr lang="en-US" dirty="0" smtClean="0">
-                <a:solidFill>
-                  <a:schemeClr val="tx1">
-                    <a:lumMod val="95000"/>
-                    <a:lumOff val="5000"/>
-                  </a:schemeClr>
-                </a:solidFill>
-                <a:latin typeface="Palatino Linotype" panose="02040502050505030304" pitchFamily="18" charset="0"/>
-              </a:rPr>
-              <a:t>).</a:t>
+              <a:t>: It is used to create the database and its objects (like tables, views, indexes, procedures, functions , triggers).</a:t>
             </a:r>
           </a:p>
           <a:p>
@@ -4880,7 +4229,7 @@
           </a:p>
           <a:p>
             <a:r>
-              <a:rPr lang="en-US" dirty="0" smtClean="0">
+              <a:rPr lang="en-US" dirty="0">
                 <a:latin typeface="Palatino Linotype" pitchFamily="18" charset="0"/>
               </a:rPr>
               <a:t>  CREATE TABLE student (</a:t>
@@ -4888,7 +4237,7 @@
           </a:p>
           <a:p>
             <a:r>
-              <a:rPr lang="en-US" dirty="0" smtClean="0">
+              <a:rPr lang="en-US" dirty="0">
                 <a:latin typeface="Palatino Linotype" pitchFamily="18" charset="0"/>
               </a:rPr>
               <a:t>     ID INT,</a:t>
@@ -4896,7 +4245,7 @@
           </a:p>
           <a:p>
             <a:r>
-              <a:rPr lang="en-US" dirty="0" smtClean="0">
+              <a:rPr lang="en-US" dirty="0">
                 <a:latin typeface="Palatino Linotype" pitchFamily="18" charset="0"/>
               </a:rPr>
               <a:t>     firstName VARCHAR(45),</a:t>
@@ -4904,7 +4253,7 @@
           </a:p>
           <a:p>
             <a:r>
-              <a:rPr lang="en-US" dirty="0" smtClean="0">
+              <a:rPr lang="en-US" dirty="0">
                 <a:latin typeface="Palatino Linotype" pitchFamily="18" charset="0"/>
               </a:rPr>
               <a:t>     lastName VARCHAR(45),</a:t>
@@ -4912,7 +4261,7 @@
           </a:p>
           <a:p>
             <a:r>
-              <a:rPr lang="en-US" dirty="0" smtClean="0">
+              <a:rPr lang="en-US" dirty="0">
                 <a:latin typeface="Palatino Linotype" pitchFamily="18" charset="0"/>
               </a:rPr>
               <a:t>     DoB DATE</a:t>
@@ -4920,253 +4269,11 @@
           </a:p>
           <a:p>
             <a:r>
-              <a:rPr lang="en-US" dirty="0" smtClean="0">
+              <a:rPr lang="en-US" dirty="0">
                 <a:latin typeface="Palatino Linotype" pitchFamily="18" charset="0"/>
               </a:rPr>
               <a:t>  );</a:t>
             </a:r>
-          </a:p>
-          <a:p>
-            <a:pPr marL="285750" indent="-285750">
-              <a:buFont typeface="Arial" panose="020B0604020202020204" pitchFamily="34" charset="0"/>
-              <a:buChar char="•"/>
-            </a:pPr>
-            <a:endParaRPr lang="en-US" dirty="0" smtClean="0">
-              <a:solidFill>
-                <a:schemeClr val="tx1">
-                  <a:lumMod val="95000"/>
-                  <a:lumOff val="5000"/>
-                </a:schemeClr>
-              </a:solidFill>
-              <a:latin typeface="Palatino Linotype" panose="02040502050505030304" pitchFamily="18" charset="0"/>
-            </a:endParaRPr>
-          </a:p>
-          <a:p>
-            <a:pPr marL="285750" indent="-285750">
-              <a:buFont typeface="Arial" panose="020B0604020202020204" pitchFamily="34" charset="0"/>
-              <a:buChar char="•"/>
-            </a:pPr>
-            <a:r>
-              <a:rPr lang="en-US" b="1" dirty="0" smtClean="0">
-                <a:solidFill>
-                  <a:schemeClr val="tx1">
-                    <a:lumMod val="95000"/>
-                    <a:lumOff val="5000"/>
-                  </a:schemeClr>
-                </a:solidFill>
-                <a:latin typeface="Palatino Linotype" panose="02040502050505030304" pitchFamily="18" charset="0"/>
-              </a:rPr>
-              <a:t>ALTER</a:t>
-            </a:r>
-            <a:r>
-              <a:rPr lang="en-US" b="1" dirty="0">
-                <a:solidFill>
-                  <a:schemeClr val="tx1">
-                    <a:lumMod val="95000"/>
-                    <a:lumOff val="5000"/>
-                  </a:schemeClr>
-                </a:solidFill>
-                <a:latin typeface="Palatino Linotype" panose="02040502050505030304" pitchFamily="18" charset="0"/>
-              </a:rPr>
-              <a:t>:</a:t>
-            </a:r>
-            <a:r>
-              <a:rPr lang="en-US" dirty="0">
-                <a:solidFill>
-                  <a:schemeClr val="tx1">
-                    <a:lumMod val="95000"/>
-                    <a:lumOff val="5000"/>
-                  </a:schemeClr>
-                </a:solidFill>
-                <a:latin typeface="Palatino Linotype" panose="02040502050505030304" pitchFamily="18" charset="0"/>
-              </a:rPr>
-              <a:t> Alter command is used to modify the existing database objects. It can add, delete/drop or modify columns in the existing table. It can also be used to add and drop various constraints on the existing table.</a:t>
-            </a:r>
-          </a:p>
-          <a:p>
-            <a:pPr marL="285750" indent="-285750"/>
-            <a:endParaRPr lang="en-US" sz="800" dirty="0" smtClean="0">
-              <a:latin typeface="Palatino Linotype" pitchFamily="18" charset="0"/>
-            </a:endParaRPr>
-          </a:p>
-          <a:p>
-            <a:pPr marL="285750" indent="-285750"/>
-            <a:r>
-              <a:rPr lang="en-US" dirty="0" smtClean="0">
-                <a:latin typeface="Palatino Linotype" pitchFamily="18" charset="0"/>
-              </a:rPr>
-              <a:t>      ALTER TABLE student ADD COLUMN emailID VARCHAR(145);</a:t>
-            </a:r>
-          </a:p>
-          <a:p>
-            <a:pPr marL="285750" indent="-285750">
-              <a:buFont typeface="Arial" panose="020B0604020202020204" pitchFamily="34" charset="0"/>
-              <a:buChar char="•"/>
-            </a:pPr>
-            <a:endParaRPr lang="en-US" dirty="0" smtClean="0">
-              <a:solidFill>
-                <a:schemeClr val="tx1">
-                  <a:lumMod val="95000"/>
-                  <a:lumOff val="5000"/>
-                </a:schemeClr>
-              </a:solidFill>
-              <a:latin typeface="Palatino Linotype" panose="02040502050505030304" pitchFamily="18" charset="0"/>
-            </a:endParaRPr>
-          </a:p>
-          <a:p>
-            <a:pPr marL="285750" indent="-285750">
-              <a:buFont typeface="Arial" panose="020B0604020202020204" pitchFamily="34" charset="0"/>
-              <a:buChar char="•"/>
-            </a:pPr>
-            <a:endParaRPr lang="en-US" dirty="0" smtClean="0">
-              <a:solidFill>
-                <a:schemeClr val="tx1">
-                  <a:lumMod val="95000"/>
-                  <a:lumOff val="5000"/>
-                </a:schemeClr>
-              </a:solidFill>
-              <a:latin typeface="Palatino Linotype" panose="02040502050505030304" pitchFamily="18" charset="0"/>
-            </a:endParaRPr>
-          </a:p>
-          <a:p>
-            <a:pPr marL="285750" indent="-285750">
-              <a:buFont typeface="Arial" panose="020B0604020202020204" pitchFamily="34" charset="0"/>
-              <a:buChar char="•"/>
-            </a:pPr>
-            <a:r>
-              <a:rPr lang="en-US" b="1" dirty="0" smtClean="0">
-                <a:solidFill>
-                  <a:schemeClr val="tx1">
-                    <a:lumMod val="95000"/>
-                    <a:lumOff val="5000"/>
-                  </a:schemeClr>
-                </a:solidFill>
-                <a:latin typeface="Palatino Linotype" panose="02040502050505030304" pitchFamily="18" charset="0"/>
-              </a:rPr>
-              <a:t>DROP</a:t>
-            </a:r>
-            <a:r>
-              <a:rPr lang="en-US" dirty="0">
-                <a:solidFill>
-                  <a:schemeClr val="tx1">
-                    <a:lumMod val="95000"/>
-                    <a:lumOff val="5000"/>
-                  </a:schemeClr>
-                </a:solidFill>
-                <a:latin typeface="Palatino Linotype" panose="02040502050505030304" pitchFamily="18" charset="0"/>
-              </a:rPr>
-              <a:t>: DROP command is used to delete the various existing </a:t>
-            </a:r>
-            <a:endParaRPr lang="en-US" dirty="0" smtClean="0">
-              <a:solidFill>
-                <a:schemeClr val="tx1">
-                  <a:lumMod val="95000"/>
-                  <a:lumOff val="5000"/>
-                </a:schemeClr>
-              </a:solidFill>
-              <a:latin typeface="Palatino Linotype" panose="02040502050505030304" pitchFamily="18" charset="0"/>
-            </a:endParaRPr>
-          </a:p>
-          <a:p>
-            <a:pPr marL="261938"/>
-            <a:r>
-              <a:rPr lang="en-US" dirty="0" smtClean="0">
-                <a:solidFill>
-                  <a:schemeClr val="tx1">
-                    <a:lumMod val="95000"/>
-                    <a:lumOff val="5000"/>
-                  </a:schemeClr>
-                </a:solidFill>
-                <a:latin typeface="Palatino Linotype" panose="02040502050505030304" pitchFamily="18" charset="0"/>
-              </a:rPr>
-              <a:t>database </a:t>
-            </a:r>
-            <a:r>
-              <a:rPr lang="en-US" dirty="0">
-                <a:solidFill>
-                  <a:schemeClr val="tx1">
-                    <a:lumMod val="95000"/>
-                    <a:lumOff val="5000"/>
-                  </a:schemeClr>
-                </a:solidFill>
-                <a:latin typeface="Palatino Linotype" panose="02040502050505030304" pitchFamily="18" charset="0"/>
-              </a:rPr>
-              <a:t>objects like (database, table, a view or other objects). </a:t>
-            </a:r>
-            <a:endParaRPr lang="en-US" dirty="0" smtClean="0">
-              <a:solidFill>
-                <a:schemeClr val="tx1">
-                  <a:lumMod val="95000"/>
-                  <a:lumOff val="5000"/>
-                </a:schemeClr>
-              </a:solidFill>
-              <a:latin typeface="Palatino Linotype" panose="02040502050505030304" pitchFamily="18" charset="0"/>
-            </a:endParaRPr>
-          </a:p>
-          <a:p>
-            <a:pPr marL="285750" indent="-285750">
-              <a:buFont typeface="Arial" panose="020B0604020202020204" pitchFamily="34" charset="0"/>
-              <a:buChar char="•"/>
-            </a:pPr>
-            <a:endParaRPr lang="en-US" sz="800" dirty="0" smtClean="0">
-              <a:solidFill>
-                <a:schemeClr val="tx1">
-                  <a:lumMod val="95000"/>
-                  <a:lumOff val="5000"/>
-                </a:schemeClr>
-              </a:solidFill>
-              <a:latin typeface="Palatino Linotype" panose="02040502050505030304" pitchFamily="18" charset="0"/>
-            </a:endParaRPr>
-          </a:p>
-          <a:p>
-            <a:pPr marL="285750" indent="-285750"/>
-            <a:r>
-              <a:rPr lang="en-US" dirty="0" smtClean="0">
-                <a:latin typeface="Palatino Linotype" pitchFamily="18" charset="0"/>
-              </a:rPr>
-              <a:t>     DROP TABLE student;</a:t>
-            </a:r>
-            <a:endParaRPr lang="en-US" dirty="0">
-              <a:solidFill>
-                <a:schemeClr val="tx1">
-                  <a:lumMod val="95000"/>
-                  <a:lumOff val="5000"/>
-                </a:schemeClr>
-              </a:solidFill>
-              <a:latin typeface="Palatino Linotype" panose="02040502050505030304" pitchFamily="18" charset="0"/>
-            </a:endParaRPr>
-          </a:p>
-        </p:txBody>
-      </p:sp>
-      <p:sp>
-        <p:nvSpPr>
-          <p:cNvPr id="10" name="Rectangle 9"/>
-          <p:cNvSpPr/>
-          <p:nvPr/>
-        </p:nvSpPr>
-        <p:spPr>
-          <a:xfrm>
-            <a:off x="11755679" y="0"/>
-            <a:ext cx="434734" cy="369332"/>
-          </a:xfrm>
-          <a:prstGeom prst="rect">
-            <a:avLst/>
-          </a:prstGeom>
-        </p:spPr>
-        <p:txBody>
-          <a:bodyPr wrap="none">
-            <a:spAutoFit/>
-          </a:bodyPr>
-          <a:lstStyle/>
-          <a:p>
-            <a:r>
-              <a:rPr lang="en-IN" dirty="0" smtClean="0">
-                <a:latin typeface="Segoe UI Light" panose="020B0502040204020203" pitchFamily="34" charset="0"/>
-                <a:cs typeface="Segoe UI Light" panose="020B0502040204020203" pitchFamily="34" charset="0"/>
-              </a:rPr>
-              <a:t>(2)</a:t>
-            </a:r>
-            <a:endParaRPr lang="en-US" dirty="0"/>
           </a:p>
         </p:txBody>
       </p:sp>
@@ -5251,8 +4358,8 @@
         </p:blipFill>
         <p:spPr bwMode="auto">
           <a:xfrm>
-            <a:off x="7696100" y="4829522"/>
-            <a:ext cx="3295650" cy="1047750"/>
+            <a:off x="7694999" y="4658399"/>
+            <a:ext cx="4213270" cy="1339479"/>
           </a:xfrm>
           <a:prstGeom prst="rect">
             <a:avLst/>
@@ -5266,10 +4373,189 @@
           </a:ln>
         </p:spPr>
       </p:pic>
+      <p:sp>
+        <p:nvSpPr>
+          <p:cNvPr id="3" name="Rectangle 2">
+            <a:extLst>
+              <a:ext uri="{FF2B5EF4-FFF2-40B4-BE49-F238E27FC236}">
+                <a16:creationId xmlns:a16="http://schemas.microsoft.com/office/drawing/2014/main" id="{357D7A0E-C080-4358-9108-ECB3A72687F2}"/>
+              </a:ext>
+            </a:extLst>
+          </p:cNvPr>
+          <p:cNvSpPr/>
+          <p:nvPr/>
+        </p:nvSpPr>
+        <p:spPr>
+          <a:xfrm>
+            <a:off x="185153" y="3966736"/>
+            <a:ext cx="11454669" cy="1046440"/>
+          </a:xfrm>
+          <a:prstGeom prst="rect">
+            <a:avLst/>
+          </a:prstGeom>
+        </p:spPr>
+        <p:txBody>
+          <a:bodyPr wrap="square">
+            <a:spAutoFit/>
+          </a:bodyPr>
+          <a:lstStyle/>
+          <a:p>
+            <a:pPr marL="285750" indent="-285750">
+              <a:buFont typeface="Arial" panose="020B0604020202020204" pitchFamily="34" charset="0"/>
+              <a:buChar char="•"/>
+            </a:pPr>
+            <a:r>
+              <a:rPr lang="en-US" b="1" dirty="0">
+                <a:solidFill>
+                  <a:schemeClr val="tx1">
+                    <a:lumMod val="95000"/>
+                    <a:lumOff val="5000"/>
+                  </a:schemeClr>
+                </a:solidFill>
+                <a:latin typeface="Palatino Linotype" panose="02040502050505030304" pitchFamily="18" charset="0"/>
+              </a:rPr>
+              <a:t>ALTER:</a:t>
+            </a:r>
+            <a:r>
+              <a:rPr lang="en-US" dirty="0">
+                <a:solidFill>
+                  <a:schemeClr val="tx1">
+                    <a:lumMod val="95000"/>
+                    <a:lumOff val="5000"/>
+                  </a:schemeClr>
+                </a:solidFill>
+                <a:latin typeface="Palatino Linotype" panose="02040502050505030304" pitchFamily="18" charset="0"/>
+              </a:rPr>
+              <a:t> Alter command is used to modify the existing database objects. It can add, drop or modify columns in the existing table. It can also be used to add and drop various constraints on the existing table.</a:t>
+            </a:r>
+          </a:p>
+          <a:p>
+            <a:pPr marL="285750" indent="-285750"/>
+            <a:endParaRPr lang="en-US" sz="800" dirty="0">
+              <a:latin typeface="Palatino Linotype" pitchFamily="18" charset="0"/>
+            </a:endParaRPr>
+          </a:p>
+          <a:p>
+            <a:pPr marL="285750" indent="-285750"/>
+            <a:r>
+              <a:rPr lang="en-US" dirty="0">
+                <a:latin typeface="Palatino Linotype" pitchFamily="18" charset="0"/>
+              </a:rPr>
+              <a:t>      ALTER TABLE student ADD COLUMN emailID VARCHAR(145);</a:t>
+            </a:r>
+          </a:p>
+        </p:txBody>
+      </p:sp>
+      <p:sp>
+        <p:nvSpPr>
+          <p:cNvPr id="6" name="Rectangle 5">
+            <a:extLst>
+              <a:ext uri="{FF2B5EF4-FFF2-40B4-BE49-F238E27FC236}">
+                <a16:creationId xmlns:a16="http://schemas.microsoft.com/office/drawing/2014/main" id="{55163BDD-0AAB-4512-A431-61B5187F08D3}"/>
+              </a:ext>
+            </a:extLst>
+          </p:cNvPr>
+          <p:cNvSpPr/>
+          <p:nvPr/>
+        </p:nvSpPr>
+        <p:spPr>
+          <a:xfrm>
+            <a:off x="185153" y="5474658"/>
+            <a:ext cx="7278205" cy="1046440"/>
+          </a:xfrm>
+          <a:prstGeom prst="rect">
+            <a:avLst/>
+          </a:prstGeom>
+        </p:spPr>
+        <p:txBody>
+          <a:bodyPr wrap="square">
+            <a:spAutoFit/>
+          </a:bodyPr>
+          <a:lstStyle/>
+          <a:p>
+            <a:pPr marL="285750" indent="-285750">
+              <a:buFont typeface="Arial" panose="020B0604020202020204" pitchFamily="34" charset="0"/>
+              <a:buChar char="•"/>
+            </a:pPr>
+            <a:r>
+              <a:rPr lang="en-US" b="1" dirty="0">
+                <a:solidFill>
+                  <a:schemeClr val="tx1">
+                    <a:lumMod val="95000"/>
+                    <a:lumOff val="5000"/>
+                  </a:schemeClr>
+                </a:solidFill>
+                <a:latin typeface="Palatino Linotype" panose="02040502050505030304" pitchFamily="18" charset="0"/>
+              </a:rPr>
+              <a:t>DROP</a:t>
+            </a:r>
+            <a:r>
+              <a:rPr lang="en-US" dirty="0">
+                <a:solidFill>
+                  <a:schemeClr val="tx1">
+                    <a:lumMod val="95000"/>
+                    <a:lumOff val="5000"/>
+                  </a:schemeClr>
+                </a:solidFill>
+                <a:latin typeface="Palatino Linotype" panose="02040502050505030304" pitchFamily="18" charset="0"/>
+              </a:rPr>
+              <a:t>: DROP command is used to delete the various existing </a:t>
+            </a:r>
+          </a:p>
+          <a:p>
+            <a:pPr marL="261938"/>
+            <a:r>
+              <a:rPr lang="en-US" dirty="0">
+                <a:solidFill>
+                  <a:schemeClr val="tx1">
+                    <a:lumMod val="95000"/>
+                    <a:lumOff val="5000"/>
+                  </a:schemeClr>
+                </a:solidFill>
+                <a:latin typeface="Palatino Linotype" panose="02040502050505030304" pitchFamily="18" charset="0"/>
+              </a:rPr>
+              <a:t>database objects like (database, table, a view or other objects). </a:t>
+            </a:r>
+          </a:p>
+          <a:p>
+            <a:pPr marL="285750" indent="-285750">
+              <a:buFont typeface="Arial" panose="020B0604020202020204" pitchFamily="34" charset="0"/>
+              <a:buChar char="•"/>
+            </a:pPr>
+            <a:endParaRPr lang="en-US" sz="800" dirty="0">
+              <a:solidFill>
+                <a:schemeClr val="tx1">
+                  <a:lumMod val="95000"/>
+                  <a:lumOff val="5000"/>
+                </a:schemeClr>
+              </a:solidFill>
+              <a:latin typeface="Palatino Linotype" panose="02040502050505030304" pitchFamily="18" charset="0"/>
+            </a:endParaRPr>
+          </a:p>
+          <a:p>
+            <a:pPr marL="285750" indent="-285750"/>
+            <a:r>
+              <a:rPr lang="en-US" dirty="0">
+                <a:latin typeface="Palatino Linotype" pitchFamily="18" charset="0"/>
+              </a:rPr>
+              <a:t>     DROP TABLE student;</a:t>
+            </a:r>
+            <a:endParaRPr lang="en-US" dirty="0">
+              <a:solidFill>
+                <a:schemeClr val="tx1">
+                  <a:lumMod val="95000"/>
+                  <a:lumOff val="5000"/>
+                </a:schemeClr>
+              </a:solidFill>
+              <a:latin typeface="Palatino Linotype" panose="02040502050505030304" pitchFamily="18" charset="0"/>
+            </a:endParaRPr>
+          </a:p>
+        </p:txBody>
+      </p:sp>
     </p:spTree>
     <p:extLst>
       <p:ext uri="{BB962C8B-B14F-4D97-AF65-F5344CB8AC3E}">
-        <p14:creationId xmlns:p14="http://schemas.microsoft.com/office/powerpoint/2010/main" xmlns="" val="2349545166"/>
+        <p14:creationId xmlns:p14="http://schemas.microsoft.com/office/powerpoint/2010/main" val="2349545166"/>
       </p:ext>
     </p:extLst>
   </p:cSld>
@@ -5279,9 +4565,253 @@
   <p:timing>
     <p:tnLst>
       <p:par>
-        <p:cTn id="1" dur="indefinite" restart="never" nodeType="tmRoot"/>
+        <p:cTn id="1" dur="indefinite" restart="never" nodeType="tmRoot">
+          <p:childTnLst>
+            <p:seq concurrent="1" nextAc="seek">
+              <p:cTn id="2" dur="indefinite" nodeType="mainSeq">
+                <p:childTnLst>
+                  <p:par>
+                    <p:cTn id="3" fill="hold">
+                      <p:stCondLst>
+                        <p:cond delay="indefinite"/>
+                      </p:stCondLst>
+                      <p:childTnLst>
+                        <p:par>
+                          <p:cTn id="4" fill="hold">
+                            <p:stCondLst>
+                              <p:cond delay="0"/>
+                            </p:stCondLst>
+                            <p:childTnLst>
+                              <p:par>
+                                <p:cTn id="5" presetID="1" presetClass="entr" presetSubtype="0" fill="hold" nodeType="clickEffect">
+                                  <p:stCondLst>
+                                    <p:cond delay="0"/>
+                                  </p:stCondLst>
+                                  <p:childTnLst>
+                                    <p:set>
+                                      <p:cBhvr>
+                                        <p:cTn id="6" dur="1" fill="hold">
+                                          <p:stCondLst>
+                                            <p:cond delay="0"/>
+                                          </p:stCondLst>
+                                        </p:cTn>
+                                        <p:tgtEl>
+                                          <p:spTgt spid="1027"/>
+                                        </p:tgtEl>
+                                        <p:attrNameLst>
+                                          <p:attrName>style.visibility</p:attrName>
+                                        </p:attrNameLst>
+                                      </p:cBhvr>
+                                      <p:to>
+                                        <p:strVal val="visible"/>
+                                      </p:to>
+                                    </p:set>
+                                  </p:childTnLst>
+                                </p:cTn>
+                              </p:par>
+                              <p:par>
+                                <p:cTn id="7" presetID="1" presetClass="entr" presetSubtype="0" fill="hold" nodeType="withEffect">
+                                  <p:stCondLst>
+                                    <p:cond delay="0"/>
+                                  </p:stCondLst>
+                                  <p:childTnLst>
+                                    <p:set>
+                                      <p:cBhvr>
+                                        <p:cTn id="8" dur="1" fill="hold">
+                                          <p:stCondLst>
+                                            <p:cond delay="0"/>
+                                          </p:stCondLst>
+                                        </p:cTn>
+                                        <p:tgtEl>
+                                          <p:spTgt spid="2"/>
+                                        </p:tgtEl>
+                                        <p:attrNameLst>
+                                          <p:attrName>style.visibility</p:attrName>
+                                        </p:attrNameLst>
+                                      </p:cBhvr>
+                                      <p:to>
+                                        <p:strVal val="visible"/>
+                                      </p:to>
+                                    </p:set>
+                                  </p:childTnLst>
+                                </p:cTn>
+                              </p:par>
+                              <p:par>
+                                <p:cTn id="9" presetID="1" presetClass="entr" presetSubtype="0" fill="hold" grpId="0" nodeType="withEffect">
+                                  <p:stCondLst>
+                                    <p:cond delay="0"/>
+                                  </p:stCondLst>
+                                  <p:childTnLst>
+                                    <p:set>
+                                      <p:cBhvr>
+                                        <p:cTn id="10" dur="1" fill="hold">
+                                          <p:stCondLst>
+                                            <p:cond delay="0"/>
+                                          </p:stCondLst>
+                                        </p:cTn>
+                                        <p:tgtEl>
+                                          <p:spTgt spid="9"/>
+                                        </p:tgtEl>
+                                        <p:attrNameLst>
+                                          <p:attrName>style.visibility</p:attrName>
+                                        </p:attrNameLst>
+                                      </p:cBhvr>
+                                      <p:to>
+                                        <p:strVal val="visible"/>
+                                      </p:to>
+                                    </p:set>
+                                  </p:childTnLst>
+                                </p:cTn>
+                              </p:par>
+                            </p:childTnLst>
+                          </p:cTn>
+                        </p:par>
+                      </p:childTnLst>
+                    </p:cTn>
+                  </p:par>
+                  <p:par>
+                    <p:cTn id="11" fill="hold">
+                      <p:stCondLst>
+                        <p:cond delay="indefinite"/>
+                      </p:stCondLst>
+                      <p:childTnLst>
+                        <p:par>
+                          <p:cTn id="12" fill="hold">
+                            <p:stCondLst>
+                              <p:cond delay="0"/>
+                            </p:stCondLst>
+                            <p:childTnLst>
+                              <p:par>
+                                <p:cTn id="13" presetID="1" presetClass="entr" presetSubtype="0" fill="hold" grpId="0" nodeType="clickEffect">
+                                  <p:stCondLst>
+                                    <p:cond delay="0"/>
+                                  </p:stCondLst>
+                                  <p:childTnLst>
+                                    <p:set>
+                                      <p:cBhvr>
+                                        <p:cTn id="14" dur="1" fill="hold">
+                                          <p:stCondLst>
+                                            <p:cond delay="0"/>
+                                          </p:stCondLst>
+                                        </p:cTn>
+                                        <p:tgtEl>
+                                          <p:spTgt spid="3"/>
+                                        </p:tgtEl>
+                                        <p:attrNameLst>
+                                          <p:attrName>style.visibility</p:attrName>
+                                        </p:attrNameLst>
+                                      </p:cBhvr>
+                                      <p:to>
+                                        <p:strVal val="visible"/>
+                                      </p:to>
+                                    </p:set>
+                                  </p:childTnLst>
+                                </p:cTn>
+                              </p:par>
+                              <p:par>
+                                <p:cTn id="15" presetID="1" presetClass="entr" presetSubtype="0" fill="hold" nodeType="withEffect">
+                                  <p:stCondLst>
+                                    <p:cond delay="0"/>
+                                  </p:stCondLst>
+                                  <p:childTnLst>
+                                    <p:set>
+                                      <p:cBhvr>
+                                        <p:cTn id="16" dur="1" fill="hold">
+                                          <p:stCondLst>
+                                            <p:cond delay="0"/>
+                                          </p:stCondLst>
+                                        </p:cTn>
+                                        <p:tgtEl>
+                                          <p:spTgt spid="1028"/>
+                                        </p:tgtEl>
+                                        <p:attrNameLst>
+                                          <p:attrName>style.visibility</p:attrName>
+                                        </p:attrNameLst>
+                                      </p:cBhvr>
+                                      <p:to>
+                                        <p:strVal val="visible"/>
+                                      </p:to>
+                                    </p:set>
+                                  </p:childTnLst>
+                                </p:cTn>
+                              </p:par>
+                            </p:childTnLst>
+                          </p:cTn>
+                        </p:par>
+                      </p:childTnLst>
+                    </p:cTn>
+                  </p:par>
+                  <p:par>
+                    <p:cTn id="17" fill="hold">
+                      <p:stCondLst>
+                        <p:cond delay="indefinite"/>
+                      </p:stCondLst>
+                      <p:childTnLst>
+                        <p:par>
+                          <p:cTn id="18" fill="hold">
+                            <p:stCondLst>
+                              <p:cond delay="0"/>
+                            </p:stCondLst>
+                            <p:childTnLst>
+                              <p:par>
+                                <p:cTn id="19" presetID="1" presetClass="entr" presetSubtype="0" fill="hold" grpId="0" nodeType="clickEffect">
+                                  <p:stCondLst>
+                                    <p:cond delay="0"/>
+                                  </p:stCondLst>
+                                  <p:childTnLst>
+                                    <p:set>
+                                      <p:cBhvr>
+                                        <p:cTn id="20" dur="1" fill="hold">
+                                          <p:stCondLst>
+                                            <p:cond delay="0"/>
+                                          </p:stCondLst>
+                                        </p:cTn>
+                                        <p:tgtEl>
+                                          <p:spTgt spid="6"/>
+                                        </p:tgtEl>
+                                        <p:attrNameLst>
+                                          <p:attrName>style.visibility</p:attrName>
+                                        </p:attrNameLst>
+                                      </p:cBhvr>
+                                      <p:to>
+                                        <p:strVal val="visible"/>
+                                      </p:to>
+                                    </p:set>
+                                  </p:childTnLst>
+                                </p:cTn>
+                              </p:par>
+                            </p:childTnLst>
+                          </p:cTn>
+                        </p:par>
+                      </p:childTnLst>
+                    </p:cTn>
+                  </p:par>
+                </p:childTnLst>
+              </p:cTn>
+              <p:prevCondLst>
+                <p:cond evt="onPrev" delay="0">
+                  <p:tgtEl>
+                    <p:sldTgt/>
+                  </p:tgtEl>
+                </p:cond>
+              </p:prevCondLst>
+              <p:nextCondLst>
+                <p:cond evt="onNext" delay="0">
+                  <p:tgtEl>
+                    <p:sldTgt/>
+                  </p:tgtEl>
+                </p:cond>
+              </p:nextCondLst>
+            </p:seq>
+          </p:childTnLst>
+        </p:cTn>
       </p:par>
     </p:tnLst>
+    <p:bldLst>
+      <p:bldP spid="9" grpId="0"/>
+      <p:bldP spid="3" grpId="0"/>
+      <p:bldP spid="6" grpId="0"/>
+    </p:bldLst>
   </p:timing>
 </p:sld>
 </file>
@@ -5308,7 +4838,7 @@
           <p:cNvPr id="4" name="Picture 3">
             <a:extLst>
               <a:ext uri="{FF2B5EF4-FFF2-40B4-BE49-F238E27FC236}">
-                <a16:creationId xmlns:a16="http://schemas.microsoft.com/office/drawing/2014/main" xmlns="" id="{4B3E96E4-8532-4FFA-8020-A53D8FBA2F23}"/>
+                <a16:creationId xmlns:a16="http://schemas.microsoft.com/office/drawing/2014/main" id="{4B3E96E4-8532-4FFA-8020-A53D8FBA2F23}"/>
               </a:ext>
             </a:extLst>
           </p:cNvPr>
@@ -5321,7 +4851,7 @@
           <a:blip r:embed="rId2" cstate="print">
             <a:extLst>
               <a:ext uri="{28A0092B-C50C-407E-A947-70E740481C1C}">
-                <a14:useLocalDpi xmlns:a14="http://schemas.microsoft.com/office/drawing/2010/main" xmlns="" val="0"/>
+                <a14:useLocalDpi xmlns:a14="http://schemas.microsoft.com/office/drawing/2010/main" val="0"/>
               </a:ext>
             </a:extLst>
           </a:blip>
@@ -5344,7 +4874,7 @@
           <p:cNvPr id="5" name="Footer Placeholder 2">
             <a:extLst>
               <a:ext uri="{FF2B5EF4-FFF2-40B4-BE49-F238E27FC236}">
-                <a16:creationId xmlns:a16="http://schemas.microsoft.com/office/drawing/2014/main" xmlns="" id="{70AFCD6D-DBA1-4EE8-A96A-D9652119B5FA}"/>
+                <a16:creationId xmlns:a16="http://schemas.microsoft.com/office/drawing/2014/main" id="{70AFCD6D-DBA1-4EE8-A96A-D9652119B5FA}"/>
               </a:ext>
             </a:extLst>
           </p:cNvPr>
@@ -5476,7 +5006,7 @@
           <p:cNvPr id="7" name="Rectangle 6">
             <a:extLst>
               <a:ext uri="{FF2B5EF4-FFF2-40B4-BE49-F238E27FC236}">
-                <a16:creationId xmlns:a16="http://schemas.microsoft.com/office/drawing/2014/main" xmlns="" id="{09A4DD51-F450-4FA7-BA18-C2A26D10D72C}"/>
+                <a16:creationId xmlns:a16="http://schemas.microsoft.com/office/drawing/2014/main" id="{09A4DD51-F450-4FA7-BA18-C2A26D10D72C}"/>
               </a:ext>
             </a:extLst>
           </p:cNvPr>
@@ -5520,7 +5050,7 @@
           <p:cNvPr id="2" name="Rectangle 1">
             <a:extLst>
               <a:ext uri="{FF2B5EF4-FFF2-40B4-BE49-F238E27FC236}">
-                <a16:creationId xmlns:a16="http://schemas.microsoft.com/office/drawing/2014/main" xmlns="" id="{DAD9923C-2D47-4BC7-BBBB-6392059DEC2E}"/>
+                <a16:creationId xmlns:a16="http://schemas.microsoft.com/office/drawing/2014/main" id="{DAD9923C-2D47-4BC7-BBBB-6392059DEC2E}"/>
               </a:ext>
             </a:extLst>
           </p:cNvPr>
@@ -5552,55 +5082,7 @@
                 </a:solidFill>
                 <a:latin typeface="Palatino Linotype" panose="02040502050505030304" pitchFamily="18" charset="0"/>
               </a:rPr>
-              <a:t>These commands are used for retrieving, inserting, modifying or deleting the data stored in the database. Some DML commands </a:t>
-            </a:r>
-            <a:r>
-              <a:rPr lang="en-US" dirty="0" smtClean="0">
-                <a:solidFill>
-                  <a:schemeClr val="tx1">
-                    <a:lumMod val="95000"/>
-                    <a:lumOff val="5000"/>
-                  </a:schemeClr>
-                </a:solidFill>
-                <a:latin typeface="Palatino Linotype" panose="02040502050505030304" pitchFamily="18" charset="0"/>
-              </a:rPr>
-              <a:t>are </a:t>
-            </a:r>
-            <a:r>
-              <a:rPr lang="en-US" dirty="0">
-                <a:solidFill>
-                  <a:schemeClr val="tx1">
-                    <a:lumMod val="95000"/>
-                    <a:lumOff val="5000"/>
-                  </a:schemeClr>
-                </a:solidFill>
-                <a:latin typeface="Palatino Linotype" panose="02040502050505030304" pitchFamily="18" charset="0"/>
-              </a:rPr>
-              <a:t>INSERT</a:t>
-            </a:r>
-            <a:r>
-              <a:rPr lang="en-US" dirty="0" smtClean="0">
-                <a:solidFill>
-                  <a:schemeClr val="tx1">
-                    <a:lumMod val="95000"/>
-                    <a:lumOff val="5000"/>
-                  </a:schemeClr>
-                </a:solidFill>
-                <a:latin typeface="Palatino Linotype" panose="02040502050505030304" pitchFamily="18" charset="0"/>
-              </a:rPr>
-              <a:t>, SELECT, </a:t>
-            </a:r>
-            <a:r>
-              <a:rPr lang="en-US" dirty="0">
-                <a:solidFill>
-                  <a:schemeClr val="tx1">
-                    <a:lumMod val="95000"/>
-                    <a:lumOff val="5000"/>
-                  </a:schemeClr>
-                </a:solidFill>
-                <a:latin typeface="Palatino Linotype" panose="02040502050505030304" pitchFamily="18" charset="0"/>
-              </a:rPr>
-              <a:t>UPDATE, and DELETE commands.</a:t>
+              <a:t>These commands are used for retrieving, inserting, modifying or deleting the data stored in the database. Some DML commands are INSERT, SELECT, UPDATE, and DELETE commands.</a:t>
             </a:r>
             <a:endParaRPr lang="en-IN" dirty="0">
               <a:solidFill>
@@ -5619,7 +5101,7 @@
           <p:cNvPr id="3" name="Rectangle 2">
             <a:extLst>
               <a:ext uri="{FF2B5EF4-FFF2-40B4-BE49-F238E27FC236}">
-                <a16:creationId xmlns:a16="http://schemas.microsoft.com/office/drawing/2014/main" xmlns="" id="{79293766-14E1-4F81-94D5-4F24C23535EA}"/>
+                <a16:creationId xmlns:a16="http://schemas.microsoft.com/office/drawing/2014/main" id="{79293766-14E1-4F81-94D5-4F24C23535EA}"/>
               </a:ext>
             </a:extLst>
           </p:cNvPr>
@@ -5675,7 +5157,7 @@
               <a:buFont typeface="Arial" panose="020B0604020202020204" pitchFamily="34" charset="0"/>
               <a:buChar char="•"/>
             </a:pPr>
-            <a:endParaRPr lang="en-US" sz="800" dirty="0" smtClean="0">
+            <a:endParaRPr lang="en-US" sz="800" dirty="0">
               <a:solidFill>
                 <a:schemeClr val="tx1">
                   <a:lumMod val="95000"/>
@@ -5688,7 +5170,7 @@
           <a:p>
             <a:pPr marL="285750" indent="-285750"/>
             <a:r>
-              <a:rPr lang="en-US" dirty="0" smtClean="0">
+              <a:rPr lang="en-US" dirty="0">
                 <a:solidFill>
                   <a:schemeClr val="tx1">
                     <a:lumMod val="95000"/>
@@ -5702,7 +5184,7 @@
           </a:p>
           <a:p>
             <a:pPr marL="285750" indent="-285750"/>
-            <a:endParaRPr lang="en-US" dirty="0" smtClean="0">
+            <a:endParaRPr lang="en-US" dirty="0">
               <a:solidFill>
                 <a:schemeClr val="tx1">
                   <a:lumMod val="95000"/>
@@ -5718,13 +5200,13 @@
               <a:buChar char="•"/>
             </a:pPr>
             <a:r>
-              <a:rPr lang="en-US" b="1" dirty="0" smtClean="0">
+              <a:rPr lang="en-US" b="1" dirty="0">
                 <a:latin typeface="Palatino Linotype" panose="02040502050505030304" pitchFamily="18" charset="0"/>
               </a:rPr>
               <a:t>SELECT: </a:t>
             </a:r>
             <a:r>
-              <a:rPr lang="en-US" dirty="0" smtClean="0">
+              <a:rPr lang="en-US" dirty="0">
                 <a:latin typeface="Palatino Linotype" panose="02040502050505030304" pitchFamily="18" charset="0"/>
               </a:rPr>
               <a:t>The select command is used to retrieve or fetch data from the tables in a database.</a:t>
@@ -5735,7 +5217,7 @@
               <a:buFont typeface="Arial" panose="020B0604020202020204" pitchFamily="34" charset="0"/>
               <a:buChar char="•"/>
             </a:pPr>
-            <a:endParaRPr lang="en-US" sz="800" dirty="0" smtClean="0">
+            <a:endParaRPr lang="en-US" sz="800" dirty="0">
               <a:solidFill>
                 <a:schemeClr val="tx1">
                   <a:lumMod val="95000"/>
@@ -5748,7 +5230,7 @@
           <a:p>
             <a:pPr marL="285750" indent="-285750"/>
             <a:r>
-              <a:rPr lang="en-US" dirty="0" smtClean="0">
+              <a:rPr lang="en-US" dirty="0">
                 <a:solidFill>
                   <a:schemeClr val="tx1">
                     <a:lumMod val="95000"/>
@@ -5807,7 +5289,7 @@
           </a:p>
           <a:p>
             <a:pPr marL="285750" indent="-285750"/>
-            <a:endParaRPr lang="en-US" sz="800" dirty="0" smtClean="0">
+            <a:endParaRPr lang="en-US" sz="800" dirty="0">
               <a:solidFill>
                 <a:schemeClr val="tx1">
                   <a:lumMod val="95000"/>
@@ -5820,7 +5302,7 @@
           <a:p>
             <a:pPr marL="285750" indent="-285750"/>
             <a:r>
-              <a:rPr lang="en-US" dirty="0" smtClean="0">
+              <a:rPr lang="en-US" dirty="0">
                 <a:solidFill>
                   <a:schemeClr val="tx1">
                     <a:lumMod val="95000"/>
@@ -5898,19 +5380,7 @@
               <a:rPr lang="en-US" dirty="0">
                 <a:latin typeface="Palatino Linotype" panose="02040502050505030304" pitchFamily="18" charset="0"/>
               </a:rPr>
-              <a:t> </a:t>
-            </a:r>
-            <a:r>
-              <a:rPr lang="en-US" smtClean="0">
-                <a:latin typeface="Palatino Linotype" panose="02040502050505030304" pitchFamily="18" charset="0"/>
-              </a:rPr>
-              <a:t>     DELETE </a:t>
-            </a:r>
-            <a:r>
-              <a:rPr lang="en-US" dirty="0" smtClean="0">
-                <a:latin typeface="Palatino Linotype" panose="02040502050505030304" pitchFamily="18" charset="0"/>
-              </a:rPr>
-              <a:t>FROM student WHERE ID = 3;</a:t>
+              <a:t>      DELETE FROM student WHERE ID = 3;</a:t>
             </a:r>
             <a:endParaRPr lang="en-IN" dirty="0">
               <a:solidFill>
@@ -5924,42 +5394,10 @@
           </a:p>
         </p:txBody>
       </p:sp>
-      <p:sp>
-        <p:nvSpPr>
-          <p:cNvPr id="8" name="Rectangle 7"/>
-          <p:cNvSpPr/>
-          <p:nvPr/>
-        </p:nvSpPr>
-        <p:spPr>
-          <a:xfrm>
-            <a:off x="11755679" y="0"/>
-            <a:ext cx="434734" cy="369332"/>
-          </a:xfrm>
-          <a:prstGeom prst="rect">
-            <a:avLst/>
-          </a:prstGeom>
-        </p:spPr>
-        <p:txBody>
-          <a:bodyPr wrap="none">
-            <a:spAutoFit/>
-          </a:bodyPr>
-          <a:lstStyle/>
-          <a:p>
-            <a:r>
-              <a:rPr lang="en-IN" dirty="0" smtClean="0">
-                <a:latin typeface="Segoe UI Light" panose="020B0502040204020203" pitchFamily="34" charset="0"/>
-                <a:cs typeface="Segoe UI Light" panose="020B0502040204020203" pitchFamily="34" charset="0"/>
-              </a:rPr>
-              <a:t>(2)</a:t>
-            </a:r>
-            <a:endParaRPr lang="en-US" dirty="0"/>
-          </a:p>
-        </p:txBody>
-      </p:sp>
     </p:spTree>
     <p:extLst>
       <p:ext uri="{BB962C8B-B14F-4D97-AF65-F5344CB8AC3E}">
-        <p14:creationId xmlns:p14="http://schemas.microsoft.com/office/powerpoint/2010/main" xmlns="" val="1854798862"/>
+        <p14:creationId xmlns:p14="http://schemas.microsoft.com/office/powerpoint/2010/main" val="1854798862"/>
       </p:ext>
     </p:extLst>
   </p:cSld>
@@ -6017,33 +5455,15 @@
                                   </p:childTnLst>
                                 </p:cTn>
                               </p:par>
-                            </p:childTnLst>
-                          </p:cTn>
-                        </p:par>
-                      </p:childTnLst>
-                    </p:cTn>
-                  </p:par>
-                  <p:par>
-                    <p:cTn id="7" fill="hold">
-                      <p:stCondLst>
-                        <p:cond delay="indefinite"/>
-                      </p:stCondLst>
-                      <p:childTnLst>
-                        <p:par>
-                          <p:cTn id="8" fill="hold">
-                            <p:stCondLst>
-                              <p:cond delay="0"/>
-                            </p:stCondLst>
-                            <p:childTnLst>
                               <p:par>
-                                <p:cTn id="9" presetID="1" presetClass="entr" presetSubtype="0" fill="hold" nodeType="clickEffect">
+                                <p:cTn id="7" presetID="1" presetClass="entr" presetSubtype="0" fill="hold" nodeType="withEffect">
                                   <p:stCondLst>
                                     <p:cond delay="0"/>
                                   </p:stCondLst>
                                   <p:childTnLst>
                                     <p:set>
                                       <p:cBhvr>
-                                        <p:cTn id="10" dur="1" fill="hold">
+                                        <p:cTn id="8" dur="1" fill="hold">
                                           <p:stCondLst>
                                             <p:cond delay="0"/>
                                           </p:stCondLst>
@@ -6073,19 +5493,50 @@
                     </p:cTn>
                   </p:par>
                   <p:par>
-                    <p:cTn id="11" fill="hold">
+                    <p:cTn id="9" fill="hold">
                       <p:stCondLst>
                         <p:cond delay="indefinite"/>
                       </p:stCondLst>
                       <p:childTnLst>
                         <p:par>
-                          <p:cTn id="12" fill="hold">
+                          <p:cTn id="10" fill="hold">
                             <p:stCondLst>
                               <p:cond delay="0"/>
                             </p:stCondLst>
                             <p:childTnLst>
                               <p:par>
-                                <p:cTn id="13" presetID="1" presetClass="entr" presetSubtype="0" fill="hold" nodeType="clickEffect">
+                                <p:cTn id="11" presetID="1" presetClass="entr" presetSubtype="0" fill="hold" nodeType="clickEffect">
+                                  <p:stCondLst>
+                                    <p:cond delay="0"/>
+                                  </p:stCondLst>
+                                  <p:childTnLst>
+                                    <p:set>
+                                      <p:cBhvr>
+                                        <p:cTn id="12" dur="1" fill="hold">
+                                          <p:stCondLst>
+                                            <p:cond delay="0"/>
+                                          </p:stCondLst>
+                                        </p:cTn>
+                                        <p:tgtEl>
+                                          <p:spTgt spid="3">
+                                            <p:txEl>
+                                              <p:pRg st="4" end="4"/>
+                                            </p:txEl>
+                                          </p:spTgt>
+                                        </p:tgtEl>
+                                        <p:attrNameLst>
+                                          <p:attrName>style.visibility</p:attrName>
+                                        </p:attrNameLst>
+                                      </p:cBhvr>
+                                      <p:to>
+                                        <p:strVal val="visible"/>
+                                      </p:to>
+                                    </p:set>
+                                  </p:childTnLst>
+                                </p:cTn>
+                              </p:par>
+                              <p:par>
+                                <p:cTn id="13" presetID="1" presetClass="entr" presetSubtype="0" fill="hold" nodeType="withEffect">
                                   <p:stCondLst>
                                     <p:cond delay="0"/>
                                   </p:stCondLst>
@@ -6100,7 +5551,7 @@
                                         <p:tgtEl>
                                           <p:spTgt spid="3">
                                             <p:txEl>
-                                              <p:pRg st="4" end="4"/>
+                                              <p:pRg st="6" end="6"/>
                                             </p:txEl>
                                           </p:spTgt>
                                         </p:tgtEl>
@@ -6149,55 +5600,6 @@
                                         <p:tgtEl>
                                           <p:spTgt spid="3">
                                             <p:txEl>
-                                              <p:pRg st="6" end="6"/>
-                                            </p:txEl>
-                                          </p:spTgt>
-                                        </p:tgtEl>
-                                        <p:attrNameLst>
-                                          <p:attrName>style.visibility</p:attrName>
-                                        </p:attrNameLst>
-                                      </p:cBhvr>
-                                      <p:to>
-                                        <p:strVal val="visible"/>
-                                      </p:to>
-                                    </p:set>
-                                  </p:childTnLst>
-                                </p:cTn>
-                              </p:par>
-                            </p:childTnLst>
-                          </p:cTn>
-                        </p:par>
-                      </p:childTnLst>
-                    </p:cTn>
-                  </p:par>
-                  <p:par>
-                    <p:cTn id="19" fill="hold">
-                      <p:stCondLst>
-                        <p:cond delay="indefinite"/>
-                      </p:stCondLst>
-                      <p:childTnLst>
-                        <p:par>
-                          <p:cTn id="20" fill="hold">
-                            <p:stCondLst>
-                              <p:cond delay="0"/>
-                            </p:stCondLst>
-                            <p:childTnLst>
-                              <p:par>
-                                <p:cTn id="21" presetID="1" presetClass="entr" presetSubtype="0" fill="hold" nodeType="clickEffect">
-                                  <p:stCondLst>
-                                    <p:cond delay="0"/>
-                                  </p:stCondLst>
-                                  <p:childTnLst>
-                                    <p:set>
-                                      <p:cBhvr>
-                                        <p:cTn id="22" dur="1" fill="hold">
-                                          <p:stCondLst>
-                                            <p:cond delay="0"/>
-                                          </p:stCondLst>
-                                        </p:cTn>
-                                        <p:tgtEl>
-                                          <p:spTgt spid="3">
-                                            <p:txEl>
                                               <p:pRg st="8" end="8"/>
                                             </p:txEl>
                                           </p:spTgt>
@@ -6213,33 +5615,15 @@
                                   </p:childTnLst>
                                 </p:cTn>
                               </p:par>
-                            </p:childTnLst>
-                          </p:cTn>
-                        </p:par>
-                      </p:childTnLst>
-                    </p:cTn>
-                  </p:par>
-                  <p:par>
-                    <p:cTn id="23" fill="hold">
-                      <p:stCondLst>
-                        <p:cond delay="indefinite"/>
-                      </p:stCondLst>
-                      <p:childTnLst>
-                        <p:par>
-                          <p:cTn id="24" fill="hold">
-                            <p:stCondLst>
-                              <p:cond delay="0"/>
-                            </p:stCondLst>
-                            <p:childTnLst>
                               <p:par>
-                                <p:cTn id="25" presetID="1" presetClass="entr" presetSubtype="0" fill="hold" nodeType="clickEffect">
+                                <p:cTn id="19" presetID="1" presetClass="entr" presetSubtype="0" fill="hold" nodeType="withEffect">
                                   <p:stCondLst>
                                     <p:cond delay="0"/>
                                   </p:stCondLst>
                                   <p:childTnLst>
                                     <p:set>
                                       <p:cBhvr>
-                                        <p:cTn id="26" dur="1" fill="hold">
+                                        <p:cTn id="20" dur="1" fill="hold">
                                           <p:stCondLst>
                                             <p:cond delay="0"/>
                                           </p:stCondLst>
@@ -6269,26 +5653,26 @@
                     </p:cTn>
                   </p:par>
                   <p:par>
-                    <p:cTn id="27" fill="hold">
+                    <p:cTn id="21" fill="hold">
                       <p:stCondLst>
                         <p:cond delay="indefinite"/>
                       </p:stCondLst>
                       <p:childTnLst>
                         <p:par>
-                          <p:cTn id="28" fill="hold">
+                          <p:cTn id="22" fill="hold">
                             <p:stCondLst>
                               <p:cond delay="0"/>
                             </p:stCondLst>
                             <p:childTnLst>
                               <p:par>
-                                <p:cTn id="29" presetID="1" presetClass="entr" presetSubtype="0" fill="hold" nodeType="clickEffect">
+                                <p:cTn id="23" presetID="1" presetClass="entr" presetSubtype="0" fill="hold" nodeType="clickEffect">
                                   <p:stCondLst>
                                     <p:cond delay="0"/>
                                   </p:stCondLst>
                                   <p:childTnLst>
                                     <p:set>
                                       <p:cBhvr>
-                                        <p:cTn id="30" dur="1" fill="hold">
+                                        <p:cTn id="24" dur="1" fill="hold">
                                           <p:stCondLst>
                                             <p:cond delay="0"/>
                                           </p:stCondLst>
@@ -6311,33 +5695,15 @@
                                   </p:childTnLst>
                                 </p:cTn>
                               </p:par>
-                            </p:childTnLst>
-                          </p:cTn>
-                        </p:par>
-                      </p:childTnLst>
-                    </p:cTn>
-                  </p:par>
-                  <p:par>
-                    <p:cTn id="31" fill="hold">
-                      <p:stCondLst>
-                        <p:cond delay="indefinite"/>
-                      </p:stCondLst>
-                      <p:childTnLst>
-                        <p:par>
-                          <p:cTn id="32" fill="hold">
-                            <p:stCondLst>
-                              <p:cond delay="0"/>
-                            </p:stCondLst>
-                            <p:childTnLst>
                               <p:par>
-                                <p:cTn id="33" presetID="1" presetClass="entr" presetSubtype="0" fill="hold" nodeType="clickEffect">
+                                <p:cTn id="25" presetID="1" presetClass="entr" presetSubtype="0" fill="hold" nodeType="withEffect">
                                   <p:stCondLst>
                                     <p:cond delay="0"/>
                                   </p:stCondLst>
                                   <p:childTnLst>
                                     <p:set>
                                       <p:cBhvr>
-                                        <p:cTn id="34" dur="1" fill="hold">
+                                        <p:cTn id="26" dur="1" fill="hold">
                                           <p:stCondLst>
                                             <p:cond delay="0"/>
                                           </p:stCondLst>
@@ -6413,7 +5779,7 @@
           <p:cNvPr id="4" name="Picture 3">
             <a:extLst>
               <a:ext uri="{FF2B5EF4-FFF2-40B4-BE49-F238E27FC236}">
-                <a16:creationId xmlns:a16="http://schemas.microsoft.com/office/drawing/2014/main" xmlns="" id="{4B3E96E4-8532-4FFA-8020-A53D8FBA2F23}"/>
+                <a16:creationId xmlns:a16="http://schemas.microsoft.com/office/drawing/2014/main" id="{4B3E96E4-8532-4FFA-8020-A53D8FBA2F23}"/>
               </a:ext>
             </a:extLst>
           </p:cNvPr>
@@ -6426,7 +5792,7 @@
           <a:blip r:embed="rId2" cstate="print">
             <a:extLst>
               <a:ext uri="{28A0092B-C50C-407E-A947-70E740481C1C}">
-                <a14:useLocalDpi xmlns:a14="http://schemas.microsoft.com/office/drawing/2010/main" xmlns="" val="0"/>
+                <a14:useLocalDpi xmlns:a14="http://schemas.microsoft.com/office/drawing/2010/main" val="0"/>
               </a:ext>
             </a:extLst>
           </a:blip>
@@ -6449,7 +5815,7 @@
           <p:cNvPr id="5" name="Footer Placeholder 2">
             <a:extLst>
               <a:ext uri="{FF2B5EF4-FFF2-40B4-BE49-F238E27FC236}">
-                <a16:creationId xmlns:a16="http://schemas.microsoft.com/office/drawing/2014/main" xmlns="" id="{70AFCD6D-DBA1-4EE8-A96A-D9652119B5FA}"/>
+                <a16:creationId xmlns:a16="http://schemas.microsoft.com/office/drawing/2014/main" id="{70AFCD6D-DBA1-4EE8-A96A-D9652119B5FA}"/>
               </a:ext>
             </a:extLst>
           </p:cNvPr>
@@ -6581,7 +5947,7 @@
           <p:cNvPr id="7" name="Rectangle 6">
             <a:extLst>
               <a:ext uri="{FF2B5EF4-FFF2-40B4-BE49-F238E27FC236}">
-                <a16:creationId xmlns:a16="http://schemas.microsoft.com/office/drawing/2014/main" xmlns="" id="{09A4DD51-F450-4FA7-BA18-C2A26D10D72C}"/>
+                <a16:creationId xmlns:a16="http://schemas.microsoft.com/office/drawing/2014/main" id="{09A4DD51-F450-4FA7-BA18-C2A26D10D72C}"/>
               </a:ext>
             </a:extLst>
           </p:cNvPr>
@@ -6625,7 +5991,7 @@
           <p:cNvPr id="6" name="Rectangle 5">
             <a:extLst>
               <a:ext uri="{FF2B5EF4-FFF2-40B4-BE49-F238E27FC236}">
-                <a16:creationId xmlns:a16="http://schemas.microsoft.com/office/drawing/2014/main" xmlns="" id="{99FC46CB-9150-42AE-B3EA-C4728C00D570}"/>
+                <a16:creationId xmlns:a16="http://schemas.microsoft.com/office/drawing/2014/main" id="{99FC46CB-9150-42AE-B3EA-C4728C00D570}"/>
               </a:ext>
             </a:extLst>
           </p:cNvPr>
@@ -6682,7 +6048,7 @@
           <p:cNvPr id="8" name="Rectangle 7">
             <a:extLst>
               <a:ext uri="{FF2B5EF4-FFF2-40B4-BE49-F238E27FC236}">
-                <a16:creationId xmlns:a16="http://schemas.microsoft.com/office/drawing/2014/main" xmlns="" id="{2A76D40B-D621-4774-8592-1DA9E4EB01ED}"/>
+                <a16:creationId xmlns:a16="http://schemas.microsoft.com/office/drawing/2014/main" id="{2A76D40B-D621-4774-8592-1DA9E4EB01ED}"/>
               </a:ext>
             </a:extLst>
           </p:cNvPr>
@@ -6765,42 +6131,10 @@
           </a:p>
         </p:txBody>
       </p:sp>
-      <p:sp>
-        <p:nvSpPr>
-          <p:cNvPr id="9" name="Rectangle 8"/>
-          <p:cNvSpPr/>
-          <p:nvPr/>
-        </p:nvSpPr>
-        <p:spPr>
-          <a:xfrm>
-            <a:off x="11755679" y="0"/>
-            <a:ext cx="434734" cy="369332"/>
-          </a:xfrm>
-          <a:prstGeom prst="rect">
-            <a:avLst/>
-          </a:prstGeom>
-        </p:spPr>
-        <p:txBody>
-          <a:bodyPr wrap="none">
-            <a:spAutoFit/>
-          </a:bodyPr>
-          <a:lstStyle/>
-          <a:p>
-            <a:r>
-              <a:rPr lang="en-IN" dirty="0" smtClean="0">
-                <a:latin typeface="Segoe UI Light" panose="020B0502040204020203" pitchFamily="34" charset="0"/>
-                <a:cs typeface="Segoe UI Light" panose="020B0502040204020203" pitchFamily="34" charset="0"/>
-              </a:rPr>
-              <a:t>(2)</a:t>
-            </a:r>
-            <a:endParaRPr lang="en-US" dirty="0"/>
-          </a:p>
-        </p:txBody>
-      </p:sp>
     </p:spTree>
     <p:extLst>
       <p:ext uri="{BB962C8B-B14F-4D97-AF65-F5344CB8AC3E}">
-        <p14:creationId xmlns:p14="http://schemas.microsoft.com/office/powerpoint/2010/main" xmlns="" val="4278938251"/>
+        <p14:creationId xmlns:p14="http://schemas.microsoft.com/office/powerpoint/2010/main" val="4278938251"/>
       </p:ext>
     </p:extLst>
   </p:cSld>
@@ -6960,7 +6294,7 @@
           <p:cNvPr id="4" name="Picture 3">
             <a:extLst>
               <a:ext uri="{FF2B5EF4-FFF2-40B4-BE49-F238E27FC236}">
-                <a16:creationId xmlns:a16="http://schemas.microsoft.com/office/drawing/2014/main" xmlns="" id="{4B3E96E4-8532-4FFA-8020-A53D8FBA2F23}"/>
+                <a16:creationId xmlns:a16="http://schemas.microsoft.com/office/drawing/2014/main" id="{4B3E96E4-8532-4FFA-8020-A53D8FBA2F23}"/>
               </a:ext>
             </a:extLst>
           </p:cNvPr>
@@ -6973,7 +6307,7 @@
           <a:blip r:embed="rId2" cstate="print">
             <a:extLst>
               <a:ext uri="{28A0092B-C50C-407E-A947-70E740481C1C}">
-                <a14:useLocalDpi xmlns:a14="http://schemas.microsoft.com/office/drawing/2010/main" xmlns="" val="0"/>
+                <a14:useLocalDpi xmlns:a14="http://schemas.microsoft.com/office/drawing/2010/main" val="0"/>
               </a:ext>
             </a:extLst>
           </a:blip>
@@ -6996,7 +6330,7 @@
           <p:cNvPr id="5" name="Footer Placeholder 2">
             <a:extLst>
               <a:ext uri="{FF2B5EF4-FFF2-40B4-BE49-F238E27FC236}">
-                <a16:creationId xmlns:a16="http://schemas.microsoft.com/office/drawing/2014/main" xmlns="" id="{70AFCD6D-DBA1-4EE8-A96A-D9652119B5FA}"/>
+                <a16:creationId xmlns:a16="http://schemas.microsoft.com/office/drawing/2014/main" id="{70AFCD6D-DBA1-4EE8-A96A-D9652119B5FA}"/>
               </a:ext>
             </a:extLst>
           </p:cNvPr>
@@ -7128,7 +6462,7 @@
           <p:cNvPr id="7" name="Rectangle 6">
             <a:extLst>
               <a:ext uri="{FF2B5EF4-FFF2-40B4-BE49-F238E27FC236}">
-                <a16:creationId xmlns:a16="http://schemas.microsoft.com/office/drawing/2014/main" xmlns="" id="{09A4DD51-F450-4FA7-BA18-C2A26D10D72C}"/>
+                <a16:creationId xmlns:a16="http://schemas.microsoft.com/office/drawing/2014/main" id="{09A4DD51-F450-4FA7-BA18-C2A26D10D72C}"/>
               </a:ext>
             </a:extLst>
           </p:cNvPr>
@@ -7181,7 +6515,7 @@
           <p:cNvPr id="6" name="Rectangle 5">
             <a:extLst>
               <a:ext uri="{FF2B5EF4-FFF2-40B4-BE49-F238E27FC236}">
-                <a16:creationId xmlns:a16="http://schemas.microsoft.com/office/drawing/2014/main" xmlns="" id="{3734B797-C46C-471A-AE7A-A9F29DEE5FA0}"/>
+                <a16:creationId xmlns:a16="http://schemas.microsoft.com/office/drawing/2014/main" id="{3734B797-C46C-471A-AE7A-A9F29DEE5FA0}"/>
               </a:ext>
             </a:extLst>
           </p:cNvPr>
@@ -7232,7 +6566,7 @@
           <p:cNvPr id="8" name="Rectangle 7">
             <a:extLst>
               <a:ext uri="{FF2B5EF4-FFF2-40B4-BE49-F238E27FC236}">
-                <a16:creationId xmlns:a16="http://schemas.microsoft.com/office/drawing/2014/main" xmlns="" id="{F90503B4-5182-4576-92C3-29BE690CB527}"/>
+                <a16:creationId xmlns:a16="http://schemas.microsoft.com/office/drawing/2014/main" id="{F90503B4-5182-4576-92C3-29BE690CB527}"/>
               </a:ext>
             </a:extLst>
           </p:cNvPr>
@@ -7306,42 +6640,10 @@
           </a:p>
         </p:txBody>
       </p:sp>
-      <p:sp>
-        <p:nvSpPr>
-          <p:cNvPr id="9" name="Rectangle 8"/>
-          <p:cNvSpPr/>
-          <p:nvPr/>
-        </p:nvSpPr>
-        <p:spPr>
-          <a:xfrm>
-            <a:off x="11755679" y="0"/>
-            <a:ext cx="434734" cy="369332"/>
-          </a:xfrm>
-          <a:prstGeom prst="rect">
-            <a:avLst/>
-          </a:prstGeom>
-        </p:spPr>
-        <p:txBody>
-          <a:bodyPr wrap="none">
-            <a:spAutoFit/>
-          </a:bodyPr>
-          <a:lstStyle/>
-          <a:p>
-            <a:r>
-              <a:rPr lang="en-IN" dirty="0" smtClean="0">
-                <a:latin typeface="Segoe UI Light" panose="020B0502040204020203" pitchFamily="34" charset="0"/>
-                <a:cs typeface="Segoe UI Light" panose="020B0502040204020203" pitchFamily="34" charset="0"/>
-              </a:rPr>
-              <a:t>(2)</a:t>
-            </a:r>
-            <a:endParaRPr lang="en-US" dirty="0"/>
-          </a:p>
-        </p:txBody>
-      </p:sp>
     </p:spTree>
     <p:extLst>
       <p:ext uri="{BB962C8B-B14F-4D97-AF65-F5344CB8AC3E}">
-        <p14:creationId xmlns:p14="http://schemas.microsoft.com/office/powerpoint/2010/main" xmlns="" val="1941358839"/>
+        <p14:creationId xmlns:p14="http://schemas.microsoft.com/office/powerpoint/2010/main" val="1941358839"/>
       </p:ext>
     </p:extLst>
   </p:cSld>
@@ -7540,7 +6842,7 @@
           <p:cNvPr id="3" name="Picture 2">
             <a:extLst>
               <a:ext uri="{FF2B5EF4-FFF2-40B4-BE49-F238E27FC236}">
-                <a16:creationId xmlns:a16="http://schemas.microsoft.com/office/drawing/2014/main" xmlns="" id="{B5C1FD02-D961-4CAF-BF5C-47309320BDE6}"/>
+                <a16:creationId xmlns:a16="http://schemas.microsoft.com/office/drawing/2014/main" id="{B5C1FD02-D961-4CAF-BF5C-47309320BDE6}"/>
               </a:ext>
             </a:extLst>
           </p:cNvPr>
@@ -7553,7 +6855,7 @@
           <a:blip r:embed="rId2" cstate="print">
             <a:extLst>
               <a:ext uri="{28A0092B-C50C-407E-A947-70E740481C1C}">
-                <a14:useLocalDpi xmlns:a14="http://schemas.microsoft.com/office/drawing/2010/main" xmlns="" val="0"/>
+                <a14:useLocalDpi xmlns:a14="http://schemas.microsoft.com/office/drawing/2010/main" val="0"/>
               </a:ext>
             </a:extLst>
           </a:blip>
@@ -7576,7 +6878,7 @@
           <p:cNvPr id="4" name="Footer Placeholder 2">
             <a:extLst>
               <a:ext uri="{FF2B5EF4-FFF2-40B4-BE49-F238E27FC236}">
-                <a16:creationId xmlns:a16="http://schemas.microsoft.com/office/drawing/2014/main" xmlns="" id="{8AC76C4F-4C95-4C8D-AF8A-E786504CFA0E}"/>
+                <a16:creationId xmlns:a16="http://schemas.microsoft.com/office/drawing/2014/main" id="{8AC76C4F-4C95-4C8D-AF8A-E786504CFA0E}"/>
               </a:ext>
             </a:extLst>
           </p:cNvPr>
@@ -7708,7 +7010,7 @@
           <p:cNvPr id="5" name="Rectangle 4">
             <a:extLst>
               <a:ext uri="{FF2B5EF4-FFF2-40B4-BE49-F238E27FC236}">
-                <a16:creationId xmlns:a16="http://schemas.microsoft.com/office/drawing/2014/main" xmlns="" id="{03071795-478D-4709-A352-9F853A16EEBD}"/>
+                <a16:creationId xmlns:a16="http://schemas.microsoft.com/office/drawing/2014/main" id="{03071795-478D-4709-A352-9F853A16EEBD}"/>
               </a:ext>
             </a:extLst>
           </p:cNvPr>
@@ -7717,7 +7019,7 @@
         </p:nvSpPr>
         <p:spPr>
           <a:xfrm>
-            <a:off x="118542" y="2564904"/>
+            <a:off x="118542" y="3187424"/>
             <a:ext cx="11953328" cy="2113784"/>
           </a:xfrm>
           <a:prstGeom prst="rect">
@@ -7730,7 +7032,7 @@
           </a:bodyPr>
           <a:lstStyle/>
           <a:p>
-            <a:pPr>
+            <a:pPr marL="285750" indent="-285750">
               <a:lnSpc>
                 <a:spcPct val="150000"/>
               </a:lnSpc>
@@ -7757,7 +7059,7 @@
             </a:r>
           </a:p>
           <a:p>
-            <a:pPr>
+            <a:pPr marL="285750" indent="-285750">
               <a:lnSpc>
                 <a:spcPct val="150000"/>
               </a:lnSpc>
@@ -7784,7 +7086,7 @@
             </a:r>
           </a:p>
           <a:p>
-            <a:pPr>
+            <a:pPr marL="285750" indent="-285750">
               <a:lnSpc>
                 <a:spcPct val="150000"/>
               </a:lnSpc>
@@ -7811,7 +7113,7 @@
             </a:r>
           </a:p>
           <a:p>
-            <a:pPr>
+            <a:pPr marL="285750" indent="-285750">
               <a:lnSpc>
                 <a:spcPct val="150000"/>
               </a:lnSpc>
@@ -7838,7 +7140,7 @@
             </a:r>
           </a:p>
           <a:p>
-            <a:pPr>
+            <a:pPr marL="285750" indent="-285750">
               <a:lnSpc>
                 <a:spcPct val="150000"/>
               </a:lnSpc>
@@ -7868,40 +7170,57 @@
       </p:sp>
       <p:sp>
         <p:nvSpPr>
-          <p:cNvPr id="6" name="Rectangle 5"/>
+          <p:cNvPr id="7" name="Rectangle 6">
+            <a:extLst>
+              <a:ext uri="{FF2B5EF4-FFF2-40B4-BE49-F238E27FC236}">
+                <a16:creationId xmlns:a16="http://schemas.microsoft.com/office/drawing/2014/main" id="{E17A2215-8C14-4673-870B-EF9F83C253A5}"/>
+              </a:ext>
+            </a:extLst>
+          </p:cNvPr>
           <p:cNvSpPr/>
           <p:nvPr/>
         </p:nvSpPr>
         <p:spPr>
           <a:xfrm>
-            <a:off x="11755679" y="0"/>
-            <a:ext cx="434734" cy="369332"/>
-          </a:xfrm>
-          <a:prstGeom prst="rect">
-            <a:avLst/>
-          </a:prstGeom>
-        </p:spPr>
-        <p:txBody>
-          <a:bodyPr wrap="none">
+            <a:off x="406574" y="2062589"/>
+            <a:ext cx="11233248" cy="646331"/>
+          </a:xfrm>
+          <a:prstGeom prst="rect">
+            <a:avLst/>
+          </a:prstGeom>
+        </p:spPr>
+        <p:txBody>
+          <a:bodyPr wrap="square">
             <a:spAutoFit/>
           </a:bodyPr>
           <a:lstStyle/>
           <a:p>
             <a:r>
-              <a:rPr lang="en-IN" dirty="0" smtClean="0">
-                <a:latin typeface="Segoe UI Light" panose="020B0502040204020203" pitchFamily="34" charset="0"/>
-                <a:cs typeface="Segoe UI Light" panose="020B0502040204020203" pitchFamily="34" charset="0"/>
+              <a:rPr lang="en-US" b="1" dirty="0">
+                <a:solidFill>
+                  <a:srgbClr val="222222"/>
+                </a:solidFill>
+                <a:latin typeface="arial" panose="020B0604020202020204" pitchFamily="34" charset="0"/>
               </a:rPr>
-              <a:t>(2)</a:t>
-            </a:r>
-            <a:endParaRPr lang="en-US" dirty="0"/>
+              <a:t>SQL constraints</a:t>
+            </a:r>
+            <a:r>
+              <a:rPr lang="en-US" dirty="0">
+                <a:solidFill>
+                  <a:srgbClr val="222222"/>
+                </a:solidFill>
+                <a:latin typeface="arial" panose="020B0604020202020204" pitchFamily="34" charset="0"/>
+              </a:rPr>
+              <a:t> are used to specify rules for the data in a table and to ensures the accuracy and reliability of the data in the table.</a:t>
+            </a:r>
+            <a:endParaRPr lang="en-IN" dirty="0"/>
           </a:p>
         </p:txBody>
       </p:sp>
     </p:spTree>
     <p:extLst>
       <p:ext uri="{BB962C8B-B14F-4D97-AF65-F5344CB8AC3E}">
-        <p14:creationId xmlns:p14="http://schemas.microsoft.com/office/powerpoint/2010/main" xmlns="" val="1393101240"/>
+        <p14:creationId xmlns:p14="http://schemas.microsoft.com/office/powerpoint/2010/main" val="1393101240"/>
       </p:ext>
     </p:extLst>
   </p:cSld>
@@ -7937,6 +7256,51 @@
                                     <p:set>
                                       <p:cBhvr>
                                         <p:cTn id="6" dur="1" fill="hold">
+                                          <p:stCondLst>
+                                            <p:cond delay="0"/>
+                                          </p:stCondLst>
+                                        </p:cTn>
+                                        <p:tgtEl>
+                                          <p:spTgt spid="7"/>
+                                        </p:tgtEl>
+                                        <p:attrNameLst>
+                                          <p:attrName>style.visibility</p:attrName>
+                                        </p:attrNameLst>
+                                      </p:cBhvr>
+                                      <p:to>
+                                        <p:strVal val="visible"/>
+                                      </p:to>
+                                    </p:set>
+                                  </p:childTnLst>
+                                </p:cTn>
+                              </p:par>
+                            </p:childTnLst>
+                          </p:cTn>
+                        </p:par>
+                      </p:childTnLst>
+                    </p:cTn>
+                  </p:par>
+                  <p:par>
+                    <p:cTn id="7" fill="hold">
+                      <p:stCondLst>
+                        <p:cond delay="indefinite"/>
+                      </p:stCondLst>
+                      <p:childTnLst>
+                        <p:par>
+                          <p:cTn id="8" fill="hold">
+                            <p:stCondLst>
+                              <p:cond delay="0"/>
+                            </p:stCondLst>
+                            <p:childTnLst>
+                              <p:par>
+                                <p:cTn id="9" presetID="1" presetClass="entr" presetSubtype="0" fill="hold" grpId="0" nodeType="clickEffect">
+                                  <p:stCondLst>
+                                    <p:cond delay="0"/>
+                                  </p:stCondLst>
+                                  <p:childTnLst>
+                                    <p:set>
+                                      <p:cBhvr>
+                                        <p:cTn id="10" dur="1" fill="hold">
                                           <p:stCondLst>
                                             <p:cond delay="0"/>
                                           </p:stCondLst>
@@ -7984,6 +7348,7 @@
     </p:tnLst>
     <p:bldLst>
       <p:bldP spid="5" grpId="0"/>
+      <p:bldP spid="7" grpId="0"/>
     </p:bldLst>
   </p:timing>
 </p:sld>

--- a/Video Ver1/Video PPT/2. SQL Commands.pptx
+++ b/Video Ver1/Video PPT/2. SQL Commands.pptx
@@ -5,15 +5,16 @@
     <p:sldMasterId id="2147483648" r:id="rId1"/>
   </p:sldMasterIdLst>
   <p:notesMasterIdLst>
-    <p:notesMasterId r:id="rId8"/>
+    <p:notesMasterId r:id="rId9"/>
   </p:notesMasterIdLst>
   <p:sldIdLst>
-    <p:sldId id="1189" r:id="rId2"/>
-    <p:sldId id="1190" r:id="rId3"/>
-    <p:sldId id="1191" r:id="rId4"/>
-    <p:sldId id="1192" r:id="rId5"/>
-    <p:sldId id="1193" r:id="rId6"/>
-    <p:sldId id="1194" r:id="rId7"/>
+    <p:sldId id="1196" r:id="rId2"/>
+    <p:sldId id="1195" r:id="rId3"/>
+    <p:sldId id="1190" r:id="rId4"/>
+    <p:sldId id="1191" r:id="rId5"/>
+    <p:sldId id="1192" r:id="rId6"/>
+    <p:sldId id="1193" r:id="rId7"/>
+    <p:sldId id="1194" r:id="rId8"/>
   </p:sldIdLst>
   <p:sldSz cx="12190413" cy="6858000"/>
   <p:notesSz cx="6858000" cy="9144000"/>
@@ -114,7 +115,7 @@
   </p:defaultTextStyle>
   <p:extLst>
     <p:ext uri="{521415D9-36F7-43E2-AB2F-B90AF26B5E84}">
-      <p14:sectionLst xmlns:p14="http://schemas.microsoft.com/office/powerpoint/2010/main">
+      <p14:sectionLst xmlns:p14="http://schemas.microsoft.com/office/powerpoint/2010/main" xmlns="">
         <p14:section name="Introduction" id="{A3D14946-8297-4856-B082-4FEFA482017C}">
           <p14:sldIdLst>
             <p14:sldId id="1189"/>
@@ -152,7 +153,7 @@
       </p14:sectionLst>
     </p:ext>
     <p:ext uri="{EFAFB233-063F-42B5-8137-9DF3F51BA10A}">
-      <p15:sldGuideLst xmlns:p15="http://schemas.microsoft.com/office/powerpoint/2012/main">
+      <p15:sldGuideLst xmlns:p15="http://schemas.microsoft.com/office/powerpoint/2012/main" xmlns="">
         <p15:guide id="1" orient="horz" pos="2160">
           <p15:clr>
             <a:srgbClr val="A4A3A4"/>
@@ -174,7 +175,7 @@
   <p:cmAuthor id="1" name="Saleel" initials="S" lastIdx="1" clrIdx="0">
     <p:extLst>
       <p:ext uri="{19B8F6BF-5375-455C-9EA6-DF929625EA0E}">
-        <p15:presenceInfo xmlns:p15="http://schemas.microsoft.com/office/powerpoint/2012/main" userId="Saleel" providerId="None"/>
+        <p15:presenceInfo xmlns:p15="http://schemas.microsoft.com/office/powerpoint/2012/main" xmlns="" userId="Saleel" providerId="None"/>
       </p:ext>
     </p:extLst>
   </p:cmAuthor>
@@ -264,7 +265,7 @@
             <a:fld id="{4DF51050-3720-483B-B552-57DC1341D582}" type="datetimeFigureOut">
               <a:rPr lang="en-US" smtClean="0"/>
               <a:pPr/>
-              <a:t>6/5/2020</a:t>
+              <a:t>6/19/2020</a:t>
             </a:fld>
             <a:endParaRPr lang="en-US"/>
           </a:p>
@@ -723,7 +724,7 @@
             <a:fld id="{EEE556E8-492E-4E8F-8E7F-7A7787724D01}" type="datetimeFigureOut">
               <a:rPr lang="en-US" smtClean="0"/>
               <a:pPr/>
-              <a:t>6/5/2020</a:t>
+              <a:t>6/19/2020</a:t>
             </a:fld>
             <a:endParaRPr lang="en-US"/>
           </a:p>
@@ -928,7 +929,7 @@
             <a:fld id="{EEE556E8-492E-4E8F-8E7F-7A7787724D01}" type="datetimeFigureOut">
               <a:rPr lang="en-US" smtClean="0"/>
               <a:pPr/>
-              <a:t>6/5/2020</a:t>
+              <a:t>6/19/2020</a:t>
             </a:fld>
             <a:endParaRPr lang="en-US"/>
           </a:p>
@@ -1133,7 +1134,7 @@
             <a:fld id="{EEE556E8-492E-4E8F-8E7F-7A7787724D01}" type="datetimeFigureOut">
               <a:rPr lang="en-US" smtClean="0"/>
               <a:pPr/>
-              <a:t>6/5/2020</a:t>
+              <a:t>6/19/2020</a:t>
             </a:fld>
             <a:endParaRPr lang="en-US"/>
           </a:p>
@@ -1338,7 +1339,7 @@
             <a:fld id="{EEE556E8-492E-4E8F-8E7F-7A7787724D01}" type="datetimeFigureOut">
               <a:rPr lang="en-US" smtClean="0"/>
               <a:pPr/>
-              <a:t>6/5/2020</a:t>
+              <a:t>6/19/2020</a:t>
             </a:fld>
             <a:endParaRPr lang="en-US"/>
           </a:p>
@@ -1610,7 +1611,7 @@
             <a:fld id="{EEE556E8-492E-4E8F-8E7F-7A7787724D01}" type="datetimeFigureOut">
               <a:rPr lang="en-US" smtClean="0"/>
               <a:pPr/>
-              <a:t>6/5/2020</a:t>
+              <a:t>6/19/2020</a:t>
             </a:fld>
             <a:endParaRPr lang="en-US"/>
           </a:p>
@@ -1930,7 +1931,7 @@
             <a:fld id="{EEE556E8-492E-4E8F-8E7F-7A7787724D01}" type="datetimeFigureOut">
               <a:rPr lang="en-US" smtClean="0"/>
               <a:pPr/>
-              <a:t>6/5/2020</a:t>
+              <a:t>6/19/2020</a:t>
             </a:fld>
             <a:endParaRPr lang="en-US"/>
           </a:p>
@@ -2390,7 +2391,7 @@
             <a:fld id="{EEE556E8-492E-4E8F-8E7F-7A7787724D01}" type="datetimeFigureOut">
               <a:rPr lang="en-US" smtClean="0"/>
               <a:pPr/>
-              <a:t>6/5/2020</a:t>
+              <a:t>6/19/2020</a:t>
             </a:fld>
             <a:endParaRPr lang="en-US"/>
           </a:p>
@@ -2536,7 +2537,7 @@
             <a:fld id="{EEE556E8-492E-4E8F-8E7F-7A7787724D01}" type="datetimeFigureOut">
               <a:rPr lang="en-US" smtClean="0"/>
               <a:pPr/>
-              <a:t>6/5/2020</a:t>
+              <a:t>6/19/2020</a:t>
             </a:fld>
             <a:endParaRPr lang="en-US"/>
           </a:p>
@@ -2866,7 +2867,7 @@
             <a:fld id="{EEE556E8-492E-4E8F-8E7F-7A7787724D01}" type="datetimeFigureOut">
               <a:rPr lang="en-US" smtClean="0"/>
               <a:pPr/>
-              <a:t>6/5/2020</a:t>
+              <a:t>6/19/2020</a:t>
             </a:fld>
             <a:endParaRPr lang="en-US"/>
           </a:p>
@@ -3148,7 +3149,7 @@
             <a:fld id="{EEE556E8-492E-4E8F-8E7F-7A7787724D01}" type="datetimeFigureOut">
               <a:rPr lang="en-US" smtClean="0"/>
               <a:pPr/>
-              <a:t>6/5/2020</a:t>
+              <a:t>6/19/2020</a:t>
             </a:fld>
             <a:endParaRPr lang="en-US"/>
           </a:p>
@@ -3573,7 +3574,7 @@
           <p:cNvPr id="3" name="Picture 2">
             <a:extLst>
               <a:ext uri="{FF2B5EF4-FFF2-40B4-BE49-F238E27FC236}">
-                <a16:creationId xmlns:a16="http://schemas.microsoft.com/office/drawing/2014/main" id="{B5C1FD02-D961-4CAF-BF5C-47309320BDE6}"/>
+                <a16:creationId xmlns:a16="http://schemas.microsoft.com/office/drawing/2014/main" xmlns="" id="{B5C1FD02-D961-4CAF-BF5C-47309320BDE6}"/>
               </a:ext>
             </a:extLst>
           </p:cNvPr>
@@ -3586,7 +3587,7 @@
           <a:blip r:embed="rId2" cstate="print">
             <a:extLst>
               <a:ext uri="{28A0092B-C50C-407E-A947-70E740481C1C}">
-                <a14:useLocalDpi xmlns:a14="http://schemas.microsoft.com/office/drawing/2010/main" val="0"/>
+                <a14:useLocalDpi xmlns:a14="http://schemas.microsoft.com/office/drawing/2010/main" xmlns="" val="0"/>
               </a:ext>
             </a:extLst>
           </a:blip>
@@ -3609,7 +3610,7 @@
           <p:cNvPr id="4" name="Footer Placeholder 2">
             <a:extLst>
               <a:ext uri="{FF2B5EF4-FFF2-40B4-BE49-F238E27FC236}">
-                <a16:creationId xmlns:a16="http://schemas.microsoft.com/office/drawing/2014/main" id="{8AC76C4F-4C95-4C8D-AF8A-E786504CFA0E}"/>
+                <a16:creationId xmlns:a16="http://schemas.microsoft.com/office/drawing/2014/main" xmlns="" id="{8AC76C4F-4C95-4C8D-AF8A-E786504CFA0E}"/>
               </a:ext>
             </a:extLst>
           </p:cNvPr>
@@ -3736,12 +3737,256 @@
           </a:p>
         </p:txBody>
       </p:sp>
+    </p:spTree>
+    <p:extLst>
+      <p:ext uri="{BB962C8B-B14F-4D97-AF65-F5344CB8AC3E}">
+        <p14:creationId xmlns:p14="http://schemas.microsoft.com/office/powerpoint/2010/main" xmlns="" val="1792769669"/>
+      </p:ext>
+    </p:extLst>
+  </p:cSld>
+  <p:clrMapOvr>
+    <a:masterClrMapping/>
+  </p:clrMapOvr>
+  <p:timing>
+    <p:tnLst>
+      <p:par>
+        <p:cTn id="1" dur="indefinite" restart="never" nodeType="tmRoot"/>
+      </p:par>
+    </p:tnLst>
+  </p:timing>
+</p:sld>
+</file>
+
+<file path=ppt/slides/slide2.xml><?xml version="1.0" encoding="utf-8"?>
+<p:sld xmlns:a="http://schemas.openxmlformats.org/drawingml/2006/main" xmlns:r="http://schemas.openxmlformats.org/officeDocument/2006/relationships" xmlns:p="http://schemas.openxmlformats.org/presentationml/2006/main">
+  <p:cSld>
+    <p:spTree>
+      <p:nvGrpSpPr>
+        <p:cNvPr id="1" name=""/>
+        <p:cNvGrpSpPr/>
+        <p:nvPr/>
+      </p:nvGrpSpPr>
+      <p:grpSpPr>
+        <a:xfrm>
+          <a:off x="0" y="0"/>
+          <a:ext cx="0" cy="0"/>
+          <a:chOff x="0" y="0"/>
+          <a:chExt cx="0" cy="0"/>
+        </a:xfrm>
+      </p:grpSpPr>
+      <p:sp>
+        <p:nvSpPr>
+          <p:cNvPr id="2" name="Title 1"/>
+          <p:cNvSpPr txBox="1">
+            <a:spLocks/>
+          </p:cNvSpPr>
+          <p:nvPr/>
+        </p:nvSpPr>
+        <p:spPr>
+          <a:xfrm>
+            <a:off x="1676182" y="1290464"/>
+            <a:ext cx="8838049" cy="914400"/>
+          </a:xfrm>
+          <a:prstGeom prst="rect">
+            <a:avLst/>
+          </a:prstGeom>
+        </p:spPr>
+        <p:txBody>
+          <a:bodyPr>
+            <a:normAutofit/>
+          </a:bodyPr>
+          <a:lstStyle/>
+          <a:p>
+            <a:pPr algn="ctr">
+              <a:spcBef>
+                <a:spcPct val="0"/>
+              </a:spcBef>
+              <a:defRPr/>
+            </a:pPr>
+            <a:r>
+              <a:rPr lang="en-IN" sz="4800" dirty="0">
+                <a:latin typeface="Segoe UI Light" panose="020B0502040204020203" pitchFamily="34" charset="0"/>
+                <a:cs typeface="Segoe UI Light" panose="020B0502040204020203" pitchFamily="34" charset="0"/>
+              </a:rPr>
+              <a:t>SQL Commands</a:t>
+            </a:r>
+          </a:p>
+        </p:txBody>
+      </p:sp>
+      <p:pic>
+        <p:nvPicPr>
+          <p:cNvPr id="3" name="Picture 2">
+            <a:extLst>
+              <a:ext uri="{FF2B5EF4-FFF2-40B4-BE49-F238E27FC236}">
+                <a16:creationId xmlns:a16="http://schemas.microsoft.com/office/drawing/2014/main" xmlns="" id="{B5C1FD02-D961-4CAF-BF5C-47309320BDE6}"/>
+              </a:ext>
+            </a:extLst>
+          </p:cNvPr>
+          <p:cNvPicPr>
+            <a:picLocks noChangeAspect="1"/>
+          </p:cNvPicPr>
+          <p:nvPr/>
+        </p:nvPicPr>
+        <p:blipFill>
+          <a:blip r:embed="rId2" cstate="print">
+            <a:extLst>
+              <a:ext uri="{28A0092B-C50C-407E-A947-70E740481C1C}">
+                <a14:useLocalDpi xmlns:a14="http://schemas.microsoft.com/office/drawing/2010/main" xmlns="" val="0"/>
+              </a:ext>
+            </a:extLst>
+          </a:blip>
+          <a:stretch>
+            <a:fillRect/>
+          </a:stretch>
+        </p:blipFill>
+        <p:spPr>
+          <a:xfrm>
+            <a:off x="118542" y="116632"/>
+            <a:ext cx="1371859" cy="445150"/>
+          </a:xfrm>
+          <a:prstGeom prst="rect">
+            <a:avLst/>
+          </a:prstGeom>
+        </p:spPr>
+      </p:pic>
+      <p:sp>
+        <p:nvSpPr>
+          <p:cNvPr id="4" name="Footer Placeholder 2">
+            <a:extLst>
+              <a:ext uri="{FF2B5EF4-FFF2-40B4-BE49-F238E27FC236}">
+                <a16:creationId xmlns:a16="http://schemas.microsoft.com/office/drawing/2014/main" xmlns="" id="{8AC76C4F-4C95-4C8D-AF8A-E786504CFA0E}"/>
+              </a:ext>
+            </a:extLst>
+          </p:cNvPr>
+          <p:cNvSpPr txBox="1">
+            <a:spLocks/>
+          </p:cNvSpPr>
+          <p:nvPr/>
+        </p:nvSpPr>
+        <p:spPr>
+          <a:xfrm>
+            <a:off x="3237431" y="6523037"/>
+            <a:ext cx="5400600" cy="365125"/>
+          </a:xfrm>
+          <a:prstGeom prst="rect">
+            <a:avLst/>
+          </a:prstGeom>
+        </p:spPr>
+        <p:txBody>
+          <a:bodyPr/>
+          <a:lstStyle>
+            <a:defPPr>
+              <a:defRPr lang="en-US"/>
+            </a:defPPr>
+            <a:lvl1pPr marL="0" algn="l" defTabSz="914400" rtl="0" eaLnBrk="1" latinLnBrk="0" hangingPunct="1">
+              <a:defRPr sz="1050" kern="1200">
+                <a:solidFill>
+                  <a:schemeClr val="tx1"/>
+                </a:solidFill>
+                <a:latin typeface="+mn-lt"/>
+                <a:ea typeface="+mn-ea"/>
+                <a:cs typeface="+mn-cs"/>
+              </a:defRPr>
+            </a:lvl1pPr>
+            <a:lvl2pPr marL="457200" algn="l" defTabSz="914400" rtl="0" eaLnBrk="1" latinLnBrk="0" hangingPunct="1">
+              <a:defRPr sz="1800" kern="1200">
+                <a:solidFill>
+                  <a:schemeClr val="tx1"/>
+                </a:solidFill>
+                <a:latin typeface="+mn-lt"/>
+                <a:ea typeface="+mn-ea"/>
+                <a:cs typeface="+mn-cs"/>
+              </a:defRPr>
+            </a:lvl2pPr>
+            <a:lvl3pPr marL="914400" algn="l" defTabSz="914400" rtl="0" eaLnBrk="1" latinLnBrk="0" hangingPunct="1">
+              <a:defRPr sz="1800" kern="1200">
+                <a:solidFill>
+                  <a:schemeClr val="tx1"/>
+                </a:solidFill>
+                <a:latin typeface="+mn-lt"/>
+                <a:ea typeface="+mn-ea"/>
+                <a:cs typeface="+mn-cs"/>
+              </a:defRPr>
+            </a:lvl3pPr>
+            <a:lvl4pPr marL="1371600" algn="l" defTabSz="914400" rtl="0" eaLnBrk="1" latinLnBrk="0" hangingPunct="1">
+              <a:defRPr sz="1800" kern="1200">
+                <a:solidFill>
+                  <a:schemeClr val="tx1"/>
+                </a:solidFill>
+                <a:latin typeface="+mn-lt"/>
+                <a:ea typeface="+mn-ea"/>
+                <a:cs typeface="+mn-cs"/>
+              </a:defRPr>
+            </a:lvl4pPr>
+            <a:lvl5pPr marL="1828800" algn="l" defTabSz="914400" rtl="0" eaLnBrk="1" latinLnBrk="0" hangingPunct="1">
+              <a:defRPr sz="1800" kern="1200">
+                <a:solidFill>
+                  <a:schemeClr val="tx1"/>
+                </a:solidFill>
+                <a:latin typeface="+mn-lt"/>
+                <a:ea typeface="+mn-ea"/>
+                <a:cs typeface="+mn-cs"/>
+              </a:defRPr>
+            </a:lvl5pPr>
+            <a:lvl6pPr marL="2286000" algn="l" defTabSz="914400" rtl="0" eaLnBrk="1" latinLnBrk="0" hangingPunct="1">
+              <a:defRPr sz="1800" kern="1200">
+                <a:solidFill>
+                  <a:schemeClr val="tx1"/>
+                </a:solidFill>
+                <a:latin typeface="+mn-lt"/>
+                <a:ea typeface="+mn-ea"/>
+                <a:cs typeface="+mn-cs"/>
+              </a:defRPr>
+            </a:lvl6pPr>
+            <a:lvl7pPr marL="2743200" algn="l" defTabSz="914400" rtl="0" eaLnBrk="1" latinLnBrk="0" hangingPunct="1">
+              <a:defRPr sz="1800" kern="1200">
+                <a:solidFill>
+                  <a:schemeClr val="tx1"/>
+                </a:solidFill>
+                <a:latin typeface="+mn-lt"/>
+                <a:ea typeface="+mn-ea"/>
+                <a:cs typeface="+mn-cs"/>
+              </a:defRPr>
+            </a:lvl7pPr>
+            <a:lvl8pPr marL="3200400" algn="l" defTabSz="914400" rtl="0" eaLnBrk="1" latinLnBrk="0" hangingPunct="1">
+              <a:defRPr sz="1800" kern="1200">
+                <a:solidFill>
+                  <a:schemeClr val="tx1"/>
+                </a:solidFill>
+                <a:latin typeface="+mn-lt"/>
+                <a:ea typeface="+mn-ea"/>
+                <a:cs typeface="+mn-cs"/>
+              </a:defRPr>
+            </a:lvl8pPr>
+            <a:lvl9pPr marL="3657600" algn="l" defTabSz="914400" rtl="0" eaLnBrk="1" latinLnBrk="0" hangingPunct="1">
+              <a:defRPr sz="1800" kern="1200">
+                <a:solidFill>
+                  <a:schemeClr val="tx1"/>
+                </a:solidFill>
+                <a:latin typeface="+mn-lt"/>
+                <a:ea typeface="+mn-ea"/>
+                <a:cs typeface="+mn-cs"/>
+              </a:defRPr>
+            </a:lvl9pPr>
+          </a:lstStyle>
+          <a:p>
+            <a:r>
+              <a:rPr lang="en-US" dirty="0"/>
+              <a:t>Infoway Technologies, 3rd  Floor Commerce Centre, Rambaug Colony, Paud Road Pune 411038</a:t>
+            </a:r>
+            <a:endParaRPr lang="en-IN" dirty="0"/>
+          </a:p>
+          <a:p>
+            <a:endParaRPr lang="en-US" dirty="0"/>
+          </a:p>
+        </p:txBody>
+      </p:sp>
       <p:sp>
         <p:nvSpPr>
           <p:cNvPr id="7" name="Rectangle 6">
             <a:extLst>
               <a:ext uri="{FF2B5EF4-FFF2-40B4-BE49-F238E27FC236}">
-                <a16:creationId xmlns:a16="http://schemas.microsoft.com/office/drawing/2014/main" id="{8153EDC4-CB36-45EB-A136-391B0BA57198}"/>
+                <a16:creationId xmlns:a16="http://schemas.microsoft.com/office/drawing/2014/main" xmlns="" id="{8153EDC4-CB36-45EB-A136-391B0BA57198}"/>
               </a:ext>
             </a:extLst>
           </p:cNvPr>
@@ -3857,17 +4102,24 @@
     </p:spTree>
     <p:extLst>
       <p:ext uri="{BB962C8B-B14F-4D97-AF65-F5344CB8AC3E}">
-        <p14:creationId xmlns:p14="http://schemas.microsoft.com/office/powerpoint/2010/main" val="1792769669"/>
+        <p14:creationId xmlns:p14="http://schemas.microsoft.com/office/powerpoint/2010/main" xmlns="" val="1792769669"/>
       </p:ext>
     </p:extLst>
   </p:cSld>
   <p:clrMapOvr>
     <a:masterClrMapping/>
   </p:clrMapOvr>
+  <p:timing>
+    <p:tnLst>
+      <p:par>
+        <p:cTn id="1" dur="indefinite" restart="never" nodeType="tmRoot"/>
+      </p:par>
+    </p:tnLst>
+  </p:timing>
 </p:sld>
 </file>
 
-<file path=ppt/slides/slide2.xml><?xml version="1.0" encoding="utf-8"?>
+<file path=ppt/slides/slide3.xml><?xml version="1.0" encoding="utf-8"?>
 <p:sld xmlns:a="http://schemas.openxmlformats.org/drawingml/2006/main" xmlns:r="http://schemas.openxmlformats.org/officeDocument/2006/relationships" xmlns:p="http://schemas.openxmlformats.org/presentationml/2006/main">
   <p:cSld>
     <p:spTree>
@@ -3889,7 +4141,7 @@
           <p:cNvPr id="4" name="Picture 3">
             <a:extLst>
               <a:ext uri="{FF2B5EF4-FFF2-40B4-BE49-F238E27FC236}">
-                <a16:creationId xmlns:a16="http://schemas.microsoft.com/office/drawing/2014/main" id="{4B3E96E4-8532-4FFA-8020-A53D8FBA2F23}"/>
+                <a16:creationId xmlns:a16="http://schemas.microsoft.com/office/drawing/2014/main" xmlns="" id="{4B3E96E4-8532-4FFA-8020-A53D8FBA2F23}"/>
               </a:ext>
             </a:extLst>
           </p:cNvPr>
@@ -3902,7 +4154,7 @@
           <a:blip r:embed="rId2" cstate="print">
             <a:extLst>
               <a:ext uri="{28A0092B-C50C-407E-A947-70E740481C1C}">
-                <a14:useLocalDpi xmlns:a14="http://schemas.microsoft.com/office/drawing/2010/main" val="0"/>
+                <a14:useLocalDpi xmlns:a14="http://schemas.microsoft.com/office/drawing/2010/main" xmlns="" val="0"/>
               </a:ext>
             </a:extLst>
           </a:blip>
@@ -3925,7 +4177,7 @@
           <p:cNvPr id="5" name="Footer Placeholder 2">
             <a:extLst>
               <a:ext uri="{FF2B5EF4-FFF2-40B4-BE49-F238E27FC236}">
-                <a16:creationId xmlns:a16="http://schemas.microsoft.com/office/drawing/2014/main" id="{70AFCD6D-DBA1-4EE8-A96A-D9652119B5FA}"/>
+                <a16:creationId xmlns:a16="http://schemas.microsoft.com/office/drawing/2014/main" xmlns="" id="{70AFCD6D-DBA1-4EE8-A96A-D9652119B5FA}"/>
               </a:ext>
             </a:extLst>
           </p:cNvPr>
@@ -4057,7 +4309,7 @@
           <p:cNvPr id="7" name="Rectangle 6">
             <a:extLst>
               <a:ext uri="{FF2B5EF4-FFF2-40B4-BE49-F238E27FC236}">
-                <a16:creationId xmlns:a16="http://schemas.microsoft.com/office/drawing/2014/main" id="{09A4DD51-F450-4FA7-BA18-C2A26D10D72C}"/>
+                <a16:creationId xmlns:a16="http://schemas.microsoft.com/office/drawing/2014/main" xmlns="" id="{09A4DD51-F450-4FA7-BA18-C2A26D10D72C}"/>
               </a:ext>
             </a:extLst>
           </p:cNvPr>
@@ -4091,17 +4343,8 @@
               <a:rPr lang="en-US" sz="3600" dirty="0">
                 <a:latin typeface="Palatino Linotype" panose="02040502050505030304" pitchFamily="18" charset="0"/>
               </a:rPr>
-              <a:t>DDL – Data </a:t>
-            </a:r>
-            <a:r>
-              <a:rPr lang="en-US" sz="3600">
-                <a:latin typeface="Palatino Linotype" panose="02040502050505030304" pitchFamily="18" charset="0"/>
-              </a:rPr>
-              <a:t>Definition Language</a:t>
-            </a:r>
-            <a:endParaRPr lang="en-US" sz="3600" dirty="0">
-              <a:latin typeface="Palatino Linotype" panose="02040502050505030304" pitchFamily="18" charset="0"/>
-            </a:endParaRPr>
+              <a:t>DDL – Data Definition Language</a:t>
+            </a:r>
           </a:p>
         </p:txBody>
       </p:sp>
@@ -4110,7 +4353,7 @@
           <p:cNvPr id="8" name="Rectangle 7">
             <a:extLst>
               <a:ext uri="{FF2B5EF4-FFF2-40B4-BE49-F238E27FC236}">
-                <a16:creationId xmlns:a16="http://schemas.microsoft.com/office/drawing/2014/main" id="{C707D178-938A-42DB-AC53-9C9F9C8D4B88}"/>
+                <a16:creationId xmlns:a16="http://schemas.microsoft.com/office/drawing/2014/main" xmlns="" id="{C707D178-938A-42DB-AC53-9C9F9C8D4B88}"/>
               </a:ext>
             </a:extLst>
           </p:cNvPr>
@@ -4161,7 +4404,7 @@
           <p:cNvPr id="9" name="Rectangle 8">
             <a:extLst>
               <a:ext uri="{FF2B5EF4-FFF2-40B4-BE49-F238E27FC236}">
-                <a16:creationId xmlns:a16="http://schemas.microsoft.com/office/drawing/2014/main" id="{E06A65BF-748F-4D11-AF08-BBF35022EAFD}"/>
+                <a16:creationId xmlns:a16="http://schemas.microsoft.com/office/drawing/2014/main" xmlns="" id="{E06A65BF-748F-4D11-AF08-BBF35022EAFD}"/>
               </a:ext>
             </a:extLst>
           </p:cNvPr>
@@ -4378,7 +4621,7 @@
           <p:cNvPr id="3" name="Rectangle 2">
             <a:extLst>
               <a:ext uri="{FF2B5EF4-FFF2-40B4-BE49-F238E27FC236}">
-                <a16:creationId xmlns:a16="http://schemas.microsoft.com/office/drawing/2014/main" id="{357D7A0E-C080-4358-9108-ECB3A72687F2}"/>
+                <a16:creationId xmlns:a16="http://schemas.microsoft.com/office/drawing/2014/main" xmlns="" id="{357D7A0E-C080-4358-9108-ECB3A72687F2}"/>
               </a:ext>
             </a:extLst>
           </p:cNvPr>
@@ -4451,7 +4694,7 @@
           <p:cNvPr id="6" name="Rectangle 5">
             <a:extLst>
               <a:ext uri="{FF2B5EF4-FFF2-40B4-BE49-F238E27FC236}">
-                <a16:creationId xmlns:a16="http://schemas.microsoft.com/office/drawing/2014/main" id="{55163BDD-0AAB-4512-A431-61B5187F08D3}"/>
+                <a16:creationId xmlns:a16="http://schemas.microsoft.com/office/drawing/2014/main" xmlns="" id="{55163BDD-0AAB-4512-A431-61B5187F08D3}"/>
               </a:ext>
             </a:extLst>
           </p:cNvPr>
@@ -4555,7 +4798,7 @@
     </p:spTree>
     <p:extLst>
       <p:ext uri="{BB962C8B-B14F-4D97-AF65-F5344CB8AC3E}">
-        <p14:creationId xmlns:p14="http://schemas.microsoft.com/office/powerpoint/2010/main" val="2349545166"/>
+        <p14:creationId xmlns:p14="http://schemas.microsoft.com/office/powerpoint/2010/main" xmlns="" val="2349545166"/>
       </p:ext>
     </p:extLst>
   </p:cSld>
@@ -4816,7 +5059,7 @@
 </p:sld>
 </file>
 
-<file path=ppt/slides/slide3.xml><?xml version="1.0" encoding="utf-8"?>
+<file path=ppt/slides/slide4.xml><?xml version="1.0" encoding="utf-8"?>
 <p:sld xmlns:a="http://schemas.openxmlformats.org/drawingml/2006/main" xmlns:r="http://schemas.openxmlformats.org/officeDocument/2006/relationships" xmlns:p="http://schemas.openxmlformats.org/presentationml/2006/main">
   <p:cSld>
     <p:spTree>
@@ -4838,7 +5081,7 @@
           <p:cNvPr id="4" name="Picture 3">
             <a:extLst>
               <a:ext uri="{FF2B5EF4-FFF2-40B4-BE49-F238E27FC236}">
-                <a16:creationId xmlns:a16="http://schemas.microsoft.com/office/drawing/2014/main" id="{4B3E96E4-8532-4FFA-8020-A53D8FBA2F23}"/>
+                <a16:creationId xmlns:a16="http://schemas.microsoft.com/office/drawing/2014/main" xmlns="" id="{4B3E96E4-8532-4FFA-8020-A53D8FBA2F23}"/>
               </a:ext>
             </a:extLst>
           </p:cNvPr>
@@ -4851,7 +5094,7 @@
           <a:blip r:embed="rId2" cstate="print">
             <a:extLst>
               <a:ext uri="{28A0092B-C50C-407E-A947-70E740481C1C}">
-                <a14:useLocalDpi xmlns:a14="http://schemas.microsoft.com/office/drawing/2010/main" val="0"/>
+                <a14:useLocalDpi xmlns:a14="http://schemas.microsoft.com/office/drawing/2010/main" xmlns="" val="0"/>
               </a:ext>
             </a:extLst>
           </a:blip>
@@ -4874,7 +5117,7 @@
           <p:cNvPr id="5" name="Footer Placeholder 2">
             <a:extLst>
               <a:ext uri="{FF2B5EF4-FFF2-40B4-BE49-F238E27FC236}">
-                <a16:creationId xmlns:a16="http://schemas.microsoft.com/office/drawing/2014/main" id="{70AFCD6D-DBA1-4EE8-A96A-D9652119B5FA}"/>
+                <a16:creationId xmlns:a16="http://schemas.microsoft.com/office/drawing/2014/main" xmlns="" id="{70AFCD6D-DBA1-4EE8-A96A-D9652119B5FA}"/>
               </a:ext>
             </a:extLst>
           </p:cNvPr>
@@ -5006,7 +5249,7 @@
           <p:cNvPr id="7" name="Rectangle 6">
             <a:extLst>
               <a:ext uri="{FF2B5EF4-FFF2-40B4-BE49-F238E27FC236}">
-                <a16:creationId xmlns:a16="http://schemas.microsoft.com/office/drawing/2014/main" id="{09A4DD51-F450-4FA7-BA18-C2A26D10D72C}"/>
+                <a16:creationId xmlns:a16="http://schemas.microsoft.com/office/drawing/2014/main" xmlns="" id="{09A4DD51-F450-4FA7-BA18-C2A26D10D72C}"/>
               </a:ext>
             </a:extLst>
           </p:cNvPr>
@@ -5050,7 +5293,7 @@
           <p:cNvPr id="2" name="Rectangle 1">
             <a:extLst>
               <a:ext uri="{FF2B5EF4-FFF2-40B4-BE49-F238E27FC236}">
-                <a16:creationId xmlns:a16="http://schemas.microsoft.com/office/drawing/2014/main" id="{DAD9923C-2D47-4BC7-BBBB-6392059DEC2E}"/>
+                <a16:creationId xmlns:a16="http://schemas.microsoft.com/office/drawing/2014/main" xmlns="" id="{DAD9923C-2D47-4BC7-BBBB-6392059DEC2E}"/>
               </a:ext>
             </a:extLst>
           </p:cNvPr>
@@ -5101,7 +5344,7 @@
           <p:cNvPr id="3" name="Rectangle 2">
             <a:extLst>
               <a:ext uri="{FF2B5EF4-FFF2-40B4-BE49-F238E27FC236}">
-                <a16:creationId xmlns:a16="http://schemas.microsoft.com/office/drawing/2014/main" id="{79293766-14E1-4F81-94D5-4F24C23535EA}"/>
+                <a16:creationId xmlns:a16="http://schemas.microsoft.com/office/drawing/2014/main" xmlns="" id="{79293766-14E1-4F81-94D5-4F24C23535EA}"/>
               </a:ext>
             </a:extLst>
           </p:cNvPr>
@@ -5397,7 +5640,7 @@
     </p:spTree>
     <p:extLst>
       <p:ext uri="{BB962C8B-B14F-4D97-AF65-F5344CB8AC3E}">
-        <p14:creationId xmlns:p14="http://schemas.microsoft.com/office/powerpoint/2010/main" val="1854798862"/>
+        <p14:creationId xmlns:p14="http://schemas.microsoft.com/office/powerpoint/2010/main" xmlns="" val="1854798862"/>
       </p:ext>
     </p:extLst>
   </p:cSld>
@@ -5757,521 +6000,6 @@
 </p:sld>
 </file>
 
-<file path=ppt/slides/slide4.xml><?xml version="1.0" encoding="utf-8"?>
-<p:sld xmlns:a="http://schemas.openxmlformats.org/drawingml/2006/main" xmlns:r="http://schemas.openxmlformats.org/officeDocument/2006/relationships" xmlns:p="http://schemas.openxmlformats.org/presentationml/2006/main">
-  <p:cSld>
-    <p:spTree>
-      <p:nvGrpSpPr>
-        <p:cNvPr id="1" name=""/>
-        <p:cNvGrpSpPr/>
-        <p:nvPr/>
-      </p:nvGrpSpPr>
-      <p:grpSpPr>
-        <a:xfrm>
-          <a:off x="0" y="0"/>
-          <a:ext cx="0" cy="0"/>
-          <a:chOff x="0" y="0"/>
-          <a:chExt cx="0" cy="0"/>
-        </a:xfrm>
-      </p:grpSpPr>
-      <p:pic>
-        <p:nvPicPr>
-          <p:cNvPr id="4" name="Picture 3">
-            <a:extLst>
-              <a:ext uri="{FF2B5EF4-FFF2-40B4-BE49-F238E27FC236}">
-                <a16:creationId xmlns:a16="http://schemas.microsoft.com/office/drawing/2014/main" id="{4B3E96E4-8532-4FFA-8020-A53D8FBA2F23}"/>
-              </a:ext>
-            </a:extLst>
-          </p:cNvPr>
-          <p:cNvPicPr>
-            <a:picLocks noChangeAspect="1"/>
-          </p:cNvPicPr>
-          <p:nvPr/>
-        </p:nvPicPr>
-        <p:blipFill>
-          <a:blip r:embed="rId2" cstate="print">
-            <a:extLst>
-              <a:ext uri="{28A0092B-C50C-407E-A947-70E740481C1C}">
-                <a14:useLocalDpi xmlns:a14="http://schemas.microsoft.com/office/drawing/2010/main" val="0"/>
-              </a:ext>
-            </a:extLst>
-          </a:blip>
-          <a:stretch>
-            <a:fillRect/>
-          </a:stretch>
-        </p:blipFill>
-        <p:spPr>
-          <a:xfrm>
-            <a:off x="118542" y="116632"/>
-            <a:ext cx="1371859" cy="445150"/>
-          </a:xfrm>
-          <a:prstGeom prst="rect">
-            <a:avLst/>
-          </a:prstGeom>
-        </p:spPr>
-      </p:pic>
-      <p:sp>
-        <p:nvSpPr>
-          <p:cNvPr id="5" name="Footer Placeholder 2">
-            <a:extLst>
-              <a:ext uri="{FF2B5EF4-FFF2-40B4-BE49-F238E27FC236}">
-                <a16:creationId xmlns:a16="http://schemas.microsoft.com/office/drawing/2014/main" id="{70AFCD6D-DBA1-4EE8-A96A-D9652119B5FA}"/>
-              </a:ext>
-            </a:extLst>
-          </p:cNvPr>
-          <p:cNvSpPr txBox="1">
-            <a:spLocks/>
-          </p:cNvSpPr>
-          <p:nvPr/>
-        </p:nvSpPr>
-        <p:spPr>
-          <a:xfrm>
-            <a:off x="3237431" y="6523037"/>
-            <a:ext cx="5400600" cy="365125"/>
-          </a:xfrm>
-          <a:prstGeom prst="rect">
-            <a:avLst/>
-          </a:prstGeom>
-        </p:spPr>
-        <p:txBody>
-          <a:bodyPr/>
-          <a:lstStyle>
-            <a:defPPr>
-              <a:defRPr lang="en-US"/>
-            </a:defPPr>
-            <a:lvl1pPr marL="0" algn="l" defTabSz="914400" rtl="0" eaLnBrk="1" latinLnBrk="0" hangingPunct="1">
-              <a:defRPr sz="1050" kern="1200">
-                <a:solidFill>
-                  <a:schemeClr val="tx1"/>
-                </a:solidFill>
-                <a:latin typeface="+mn-lt"/>
-                <a:ea typeface="+mn-ea"/>
-                <a:cs typeface="+mn-cs"/>
-              </a:defRPr>
-            </a:lvl1pPr>
-            <a:lvl2pPr marL="457200" algn="l" defTabSz="914400" rtl="0" eaLnBrk="1" latinLnBrk="0" hangingPunct="1">
-              <a:defRPr sz="1800" kern="1200">
-                <a:solidFill>
-                  <a:schemeClr val="tx1"/>
-                </a:solidFill>
-                <a:latin typeface="+mn-lt"/>
-                <a:ea typeface="+mn-ea"/>
-                <a:cs typeface="+mn-cs"/>
-              </a:defRPr>
-            </a:lvl2pPr>
-            <a:lvl3pPr marL="914400" algn="l" defTabSz="914400" rtl="0" eaLnBrk="1" latinLnBrk="0" hangingPunct="1">
-              <a:defRPr sz="1800" kern="1200">
-                <a:solidFill>
-                  <a:schemeClr val="tx1"/>
-                </a:solidFill>
-                <a:latin typeface="+mn-lt"/>
-                <a:ea typeface="+mn-ea"/>
-                <a:cs typeface="+mn-cs"/>
-              </a:defRPr>
-            </a:lvl3pPr>
-            <a:lvl4pPr marL="1371600" algn="l" defTabSz="914400" rtl="0" eaLnBrk="1" latinLnBrk="0" hangingPunct="1">
-              <a:defRPr sz="1800" kern="1200">
-                <a:solidFill>
-                  <a:schemeClr val="tx1"/>
-                </a:solidFill>
-                <a:latin typeface="+mn-lt"/>
-                <a:ea typeface="+mn-ea"/>
-                <a:cs typeface="+mn-cs"/>
-              </a:defRPr>
-            </a:lvl4pPr>
-            <a:lvl5pPr marL="1828800" algn="l" defTabSz="914400" rtl="0" eaLnBrk="1" latinLnBrk="0" hangingPunct="1">
-              <a:defRPr sz="1800" kern="1200">
-                <a:solidFill>
-                  <a:schemeClr val="tx1"/>
-                </a:solidFill>
-                <a:latin typeface="+mn-lt"/>
-                <a:ea typeface="+mn-ea"/>
-                <a:cs typeface="+mn-cs"/>
-              </a:defRPr>
-            </a:lvl5pPr>
-            <a:lvl6pPr marL="2286000" algn="l" defTabSz="914400" rtl="0" eaLnBrk="1" latinLnBrk="0" hangingPunct="1">
-              <a:defRPr sz="1800" kern="1200">
-                <a:solidFill>
-                  <a:schemeClr val="tx1"/>
-                </a:solidFill>
-                <a:latin typeface="+mn-lt"/>
-                <a:ea typeface="+mn-ea"/>
-                <a:cs typeface="+mn-cs"/>
-              </a:defRPr>
-            </a:lvl6pPr>
-            <a:lvl7pPr marL="2743200" algn="l" defTabSz="914400" rtl="0" eaLnBrk="1" latinLnBrk="0" hangingPunct="1">
-              <a:defRPr sz="1800" kern="1200">
-                <a:solidFill>
-                  <a:schemeClr val="tx1"/>
-                </a:solidFill>
-                <a:latin typeface="+mn-lt"/>
-                <a:ea typeface="+mn-ea"/>
-                <a:cs typeface="+mn-cs"/>
-              </a:defRPr>
-            </a:lvl7pPr>
-            <a:lvl8pPr marL="3200400" algn="l" defTabSz="914400" rtl="0" eaLnBrk="1" latinLnBrk="0" hangingPunct="1">
-              <a:defRPr sz="1800" kern="1200">
-                <a:solidFill>
-                  <a:schemeClr val="tx1"/>
-                </a:solidFill>
-                <a:latin typeface="+mn-lt"/>
-                <a:ea typeface="+mn-ea"/>
-                <a:cs typeface="+mn-cs"/>
-              </a:defRPr>
-            </a:lvl8pPr>
-            <a:lvl9pPr marL="3657600" algn="l" defTabSz="914400" rtl="0" eaLnBrk="1" latinLnBrk="0" hangingPunct="1">
-              <a:defRPr sz="1800" kern="1200">
-                <a:solidFill>
-                  <a:schemeClr val="tx1"/>
-                </a:solidFill>
-                <a:latin typeface="+mn-lt"/>
-                <a:ea typeface="+mn-ea"/>
-                <a:cs typeface="+mn-cs"/>
-              </a:defRPr>
-            </a:lvl9pPr>
-          </a:lstStyle>
-          <a:p>
-            <a:r>
-              <a:rPr lang="en-US" dirty="0"/>
-              <a:t>Infoway Technologies, 3rd  Floor Commerce Centre, Rambaug Colony, Paud Road Pune 411038</a:t>
-            </a:r>
-            <a:endParaRPr lang="en-IN" dirty="0"/>
-          </a:p>
-          <a:p>
-            <a:endParaRPr lang="en-US" dirty="0"/>
-          </a:p>
-        </p:txBody>
-      </p:sp>
-      <p:sp>
-        <p:nvSpPr>
-          <p:cNvPr id="7" name="Rectangle 6">
-            <a:extLst>
-              <a:ext uri="{FF2B5EF4-FFF2-40B4-BE49-F238E27FC236}">
-                <a16:creationId xmlns:a16="http://schemas.microsoft.com/office/drawing/2014/main" id="{09A4DD51-F450-4FA7-BA18-C2A26D10D72C}"/>
-              </a:ext>
-            </a:extLst>
-          </p:cNvPr>
-          <p:cNvSpPr/>
-          <p:nvPr/>
-        </p:nvSpPr>
-        <p:spPr>
-          <a:xfrm>
-            <a:off x="1523802" y="2"/>
-            <a:ext cx="9142810" cy="838499"/>
-          </a:xfrm>
-          <a:prstGeom prst="rect">
-            <a:avLst/>
-          </a:prstGeom>
-          <a:solidFill>
-            <a:schemeClr val="bg1"/>
-          </a:solidFill>
-        </p:spPr>
-        <p:txBody>
-          <a:bodyPr wrap="square">
-            <a:spAutoFit/>
-          </a:bodyPr>
-          <a:lstStyle/>
-          <a:p>
-            <a:pPr algn="r" fontAlgn="base">
-              <a:lnSpc>
-                <a:spcPct val="150000"/>
-              </a:lnSpc>
-            </a:pPr>
-            <a:r>
-              <a:rPr lang="en-US" sz="3600" dirty="0">
-                <a:latin typeface="Palatino Linotype" panose="02040502050505030304" pitchFamily="18" charset="0"/>
-              </a:rPr>
-              <a:t>DCL – Data Control Language</a:t>
-            </a:r>
-          </a:p>
-        </p:txBody>
-      </p:sp>
-      <p:sp>
-        <p:nvSpPr>
-          <p:cNvPr id="6" name="Rectangle 5">
-            <a:extLst>
-              <a:ext uri="{FF2B5EF4-FFF2-40B4-BE49-F238E27FC236}">
-                <a16:creationId xmlns:a16="http://schemas.microsoft.com/office/drawing/2014/main" id="{99FC46CB-9150-42AE-B3EA-C4728C00D570}"/>
-              </a:ext>
-            </a:extLst>
-          </p:cNvPr>
-          <p:cNvSpPr/>
-          <p:nvPr/>
-        </p:nvSpPr>
-        <p:spPr>
-          <a:xfrm>
-            <a:off x="191018" y="1268760"/>
-            <a:ext cx="11736836" cy="646331"/>
-          </a:xfrm>
-          <a:prstGeom prst="rect">
-            <a:avLst/>
-          </a:prstGeom>
-        </p:spPr>
-        <p:txBody>
-          <a:bodyPr wrap="square">
-            <a:spAutoFit/>
-          </a:bodyPr>
-          <a:lstStyle/>
-          <a:p>
-            <a:r>
-              <a:rPr lang="en-US" dirty="0">
-                <a:latin typeface="Palatino Linotype" panose="02040502050505030304" pitchFamily="18" charset="0"/>
-              </a:rPr>
-              <a:t>These SQL commands are used for providing security or access control to database objects ( like table, views, procedures, </a:t>
-            </a:r>
-            <a:r>
-              <a:rPr lang="en-US" dirty="0" err="1">
-                <a:latin typeface="Palatino Linotype" panose="02040502050505030304" pitchFamily="18" charset="0"/>
-              </a:rPr>
-              <a:t>etc</a:t>
-            </a:r>
-            <a:r>
-              <a:rPr lang="en-US" dirty="0">
-                <a:latin typeface="Palatino Linotype" panose="02040502050505030304" pitchFamily="18" charset="0"/>
-              </a:rPr>
-              <a:t>).</a:t>
-            </a:r>
-            <a:endParaRPr lang="en-IN" dirty="0">
-              <a:solidFill>
-                <a:schemeClr val="tx1">
-                  <a:lumMod val="95000"/>
-                  <a:lumOff val="5000"/>
-                </a:schemeClr>
-              </a:solidFill>
-              <a:latin typeface="Palatino Linotype" panose="02040502050505030304" pitchFamily="18" charset="0"/>
-            </a:endParaRPr>
-          </a:p>
-        </p:txBody>
-      </p:sp>
-      <p:sp>
-        <p:nvSpPr>
-          <p:cNvPr id="8" name="Rectangle 7">
-            <a:extLst>
-              <a:ext uri="{FF2B5EF4-FFF2-40B4-BE49-F238E27FC236}">
-                <a16:creationId xmlns:a16="http://schemas.microsoft.com/office/drawing/2014/main" id="{2A76D40B-D621-4774-8592-1DA9E4EB01ED}"/>
-              </a:ext>
-            </a:extLst>
-          </p:cNvPr>
-          <p:cNvSpPr/>
-          <p:nvPr/>
-        </p:nvSpPr>
-        <p:spPr>
-          <a:xfrm>
-            <a:off x="191018" y="2420888"/>
-            <a:ext cx="11736836" cy="1477328"/>
-          </a:xfrm>
-          <a:prstGeom prst="rect">
-            <a:avLst/>
-          </a:prstGeom>
-        </p:spPr>
-        <p:txBody>
-          <a:bodyPr wrap="square">
-            <a:spAutoFit/>
-          </a:bodyPr>
-          <a:lstStyle/>
-          <a:p>
-            <a:pPr marL="285750" indent="-285750">
-              <a:buFont typeface="Arial" panose="020B0604020202020204" pitchFamily="34" charset="0"/>
-              <a:buChar char="•"/>
-            </a:pPr>
-            <a:r>
-              <a:rPr lang="en-US" b="1" dirty="0">
-                <a:latin typeface="Palatino Linotype" panose="02040502050505030304" pitchFamily="18" charset="0"/>
-              </a:rPr>
-              <a:t>GRANT:</a:t>
-            </a:r>
-            <a:r>
-              <a:rPr lang="en-US" dirty="0">
-                <a:latin typeface="Palatino Linotype" panose="02040502050505030304" pitchFamily="18" charset="0"/>
-              </a:rPr>
-              <a:t> This command is used to give access or permission to specific users on database objects like table, view, etc.</a:t>
-            </a:r>
-          </a:p>
-          <a:p>
-            <a:pPr marL="285750" indent="-285750">
-              <a:buFont typeface="Arial" panose="020B0604020202020204" pitchFamily="34" charset="0"/>
-              <a:buChar char="•"/>
-            </a:pPr>
-            <a:endParaRPr lang="en-US" dirty="0">
-              <a:solidFill>
-                <a:schemeClr val="tx1">
-                  <a:lumMod val="95000"/>
-                  <a:lumOff val="5000"/>
-                </a:schemeClr>
-              </a:solidFill>
-              <a:latin typeface="Palatino Linotype" panose="02040502050505030304" pitchFamily="18" charset="0"/>
-            </a:endParaRPr>
-          </a:p>
-          <a:p>
-            <a:pPr marL="285750" indent="-285750">
-              <a:buFont typeface="Arial" panose="020B0604020202020204" pitchFamily="34" charset="0"/>
-              <a:buChar char="•"/>
-            </a:pPr>
-            <a:r>
-              <a:rPr lang="en-US" b="1" dirty="0">
-                <a:latin typeface="Palatino Linotype" panose="02040502050505030304" pitchFamily="18" charset="0"/>
-              </a:rPr>
-              <a:t>REVOKE:</a:t>
-            </a:r>
-            <a:r>
-              <a:rPr lang="en-US" dirty="0">
-                <a:latin typeface="Palatino Linotype" panose="02040502050505030304" pitchFamily="18" charset="0"/>
-              </a:rPr>
-              <a:t> The REVOKE command removes user access rights or privileges to the database objects given by using the GRANT command.</a:t>
-            </a:r>
-            <a:endParaRPr lang="en-IN" dirty="0">
-              <a:solidFill>
-                <a:schemeClr val="tx1">
-                  <a:lumMod val="95000"/>
-                  <a:lumOff val="5000"/>
-                </a:schemeClr>
-              </a:solidFill>
-              <a:latin typeface="Palatino Linotype" panose="02040502050505030304" pitchFamily="18" charset="0"/>
-            </a:endParaRPr>
-          </a:p>
-        </p:txBody>
-      </p:sp>
-    </p:spTree>
-    <p:extLst>
-      <p:ext uri="{BB962C8B-B14F-4D97-AF65-F5344CB8AC3E}">
-        <p14:creationId xmlns:p14="http://schemas.microsoft.com/office/powerpoint/2010/main" val="4278938251"/>
-      </p:ext>
-    </p:extLst>
-  </p:cSld>
-  <p:clrMapOvr>
-    <a:masterClrMapping/>
-  </p:clrMapOvr>
-  <p:timing>
-    <p:tnLst>
-      <p:par>
-        <p:cTn id="1" dur="indefinite" restart="never" nodeType="tmRoot">
-          <p:childTnLst>
-            <p:seq concurrent="1" nextAc="seek">
-              <p:cTn id="2" dur="indefinite" nodeType="mainSeq">
-                <p:childTnLst>
-                  <p:par>
-                    <p:cTn id="3" fill="hold">
-                      <p:stCondLst>
-                        <p:cond delay="indefinite"/>
-                      </p:stCondLst>
-                      <p:childTnLst>
-                        <p:par>
-                          <p:cTn id="4" fill="hold">
-                            <p:stCondLst>
-                              <p:cond delay="0"/>
-                            </p:stCondLst>
-                            <p:childTnLst>
-                              <p:par>
-                                <p:cTn id="5" presetID="1" presetClass="entr" presetSubtype="0" fill="hold" nodeType="clickEffect">
-                                  <p:stCondLst>
-                                    <p:cond delay="0"/>
-                                  </p:stCondLst>
-                                  <p:childTnLst>
-                                    <p:set>
-                                      <p:cBhvr>
-                                        <p:cTn id="6" dur="1" fill="hold">
-                                          <p:stCondLst>
-                                            <p:cond delay="0"/>
-                                          </p:stCondLst>
-                                        </p:cTn>
-                                        <p:tgtEl>
-                                          <p:spTgt spid="8">
-                                            <p:txEl>
-                                              <p:pRg st="0" end="0"/>
-                                            </p:txEl>
-                                          </p:spTgt>
-                                        </p:tgtEl>
-                                        <p:attrNameLst>
-                                          <p:attrName>style.visibility</p:attrName>
-                                        </p:attrNameLst>
-                                      </p:cBhvr>
-                                      <p:to>
-                                        <p:strVal val="visible"/>
-                                      </p:to>
-                                    </p:set>
-                                  </p:childTnLst>
-                                </p:cTn>
-                              </p:par>
-                            </p:childTnLst>
-                          </p:cTn>
-                        </p:par>
-                      </p:childTnLst>
-                    </p:cTn>
-                  </p:par>
-                  <p:par>
-                    <p:cTn id="7" fill="hold">
-                      <p:stCondLst>
-                        <p:cond delay="indefinite"/>
-                      </p:stCondLst>
-                      <p:childTnLst>
-                        <p:par>
-                          <p:cTn id="8" fill="hold">
-                            <p:stCondLst>
-                              <p:cond delay="0"/>
-                            </p:stCondLst>
-                            <p:childTnLst>
-                              <p:par>
-                                <p:cTn id="9" presetID="1" presetClass="entr" presetSubtype="0" fill="hold" nodeType="clickEffect">
-                                  <p:stCondLst>
-                                    <p:cond delay="0"/>
-                                  </p:stCondLst>
-                                  <p:childTnLst>
-                                    <p:set>
-                                      <p:cBhvr>
-                                        <p:cTn id="10" dur="1" fill="hold">
-                                          <p:stCondLst>
-                                            <p:cond delay="0"/>
-                                          </p:stCondLst>
-                                        </p:cTn>
-                                        <p:tgtEl>
-                                          <p:spTgt spid="8">
-                                            <p:txEl>
-                                              <p:pRg st="2" end="2"/>
-                                            </p:txEl>
-                                          </p:spTgt>
-                                        </p:tgtEl>
-                                        <p:attrNameLst>
-                                          <p:attrName>style.visibility</p:attrName>
-                                        </p:attrNameLst>
-                                      </p:cBhvr>
-                                      <p:to>
-                                        <p:strVal val="visible"/>
-                                      </p:to>
-                                    </p:set>
-                                  </p:childTnLst>
-                                </p:cTn>
-                              </p:par>
-                            </p:childTnLst>
-                          </p:cTn>
-                        </p:par>
-                      </p:childTnLst>
-                    </p:cTn>
-                  </p:par>
-                </p:childTnLst>
-              </p:cTn>
-              <p:prevCondLst>
-                <p:cond evt="onPrev" delay="0">
-                  <p:tgtEl>
-                    <p:sldTgt/>
-                  </p:tgtEl>
-                </p:cond>
-              </p:prevCondLst>
-              <p:nextCondLst>
-                <p:cond evt="onNext" delay="0">
-                  <p:tgtEl>
-                    <p:sldTgt/>
-                  </p:tgtEl>
-                </p:cond>
-              </p:nextCondLst>
-            </p:seq>
-          </p:childTnLst>
-        </p:cTn>
-      </p:par>
-    </p:tnLst>
-  </p:timing>
-</p:sld>
-</file>
-
 <file path=ppt/slides/slide5.xml><?xml version="1.0" encoding="utf-8"?>
 <p:sld xmlns:a="http://schemas.openxmlformats.org/drawingml/2006/main" xmlns:r="http://schemas.openxmlformats.org/officeDocument/2006/relationships" xmlns:p="http://schemas.openxmlformats.org/presentationml/2006/main">
   <p:cSld>
@@ -6294,7 +6022,7 @@
           <p:cNvPr id="4" name="Picture 3">
             <a:extLst>
               <a:ext uri="{FF2B5EF4-FFF2-40B4-BE49-F238E27FC236}">
-                <a16:creationId xmlns:a16="http://schemas.microsoft.com/office/drawing/2014/main" id="{4B3E96E4-8532-4FFA-8020-A53D8FBA2F23}"/>
+                <a16:creationId xmlns:a16="http://schemas.microsoft.com/office/drawing/2014/main" xmlns="" id="{4B3E96E4-8532-4FFA-8020-A53D8FBA2F23}"/>
               </a:ext>
             </a:extLst>
           </p:cNvPr>
@@ -6307,7 +6035,7 @@
           <a:blip r:embed="rId2" cstate="print">
             <a:extLst>
               <a:ext uri="{28A0092B-C50C-407E-A947-70E740481C1C}">
-                <a14:useLocalDpi xmlns:a14="http://schemas.microsoft.com/office/drawing/2010/main" val="0"/>
+                <a14:useLocalDpi xmlns:a14="http://schemas.microsoft.com/office/drawing/2010/main" xmlns="" val="0"/>
               </a:ext>
             </a:extLst>
           </a:blip>
@@ -6330,7 +6058,7 @@
           <p:cNvPr id="5" name="Footer Placeholder 2">
             <a:extLst>
               <a:ext uri="{FF2B5EF4-FFF2-40B4-BE49-F238E27FC236}">
-                <a16:creationId xmlns:a16="http://schemas.microsoft.com/office/drawing/2014/main" id="{70AFCD6D-DBA1-4EE8-A96A-D9652119B5FA}"/>
+                <a16:creationId xmlns:a16="http://schemas.microsoft.com/office/drawing/2014/main" xmlns="" id="{70AFCD6D-DBA1-4EE8-A96A-D9652119B5FA}"/>
               </a:ext>
             </a:extLst>
           </p:cNvPr>
@@ -6462,7 +6190,7 @@
           <p:cNvPr id="7" name="Rectangle 6">
             <a:extLst>
               <a:ext uri="{FF2B5EF4-FFF2-40B4-BE49-F238E27FC236}">
-                <a16:creationId xmlns:a16="http://schemas.microsoft.com/office/drawing/2014/main" id="{09A4DD51-F450-4FA7-BA18-C2A26D10D72C}"/>
+                <a16:creationId xmlns:a16="http://schemas.microsoft.com/office/drawing/2014/main" xmlns="" id="{09A4DD51-F450-4FA7-BA18-C2A26D10D72C}"/>
               </a:ext>
             </a:extLst>
           </p:cNvPr>
@@ -6496,17 +6224,8 @@
               <a:rPr lang="en-US" sz="3600" dirty="0">
                 <a:latin typeface="Palatino Linotype" panose="02040502050505030304" pitchFamily="18" charset="0"/>
               </a:rPr>
-              <a:t>TCL – </a:t>
-            </a:r>
-            <a:r>
-              <a:rPr lang="en-IN" sz="3600" dirty="0">
-                <a:latin typeface="Palatino Linotype" panose="02040502050505030304" pitchFamily="18" charset="0"/>
-              </a:rPr>
-              <a:t>Transaction Control Language</a:t>
-            </a:r>
-            <a:endParaRPr lang="en-US" sz="3600" dirty="0">
-              <a:latin typeface="Palatino Linotype" panose="02040502050505030304" pitchFamily="18" charset="0"/>
-            </a:endParaRPr>
+              <a:t>DCL – Data Control Language</a:t>
+            </a:r>
           </a:p>
         </p:txBody>
       </p:sp>
@@ -6515,7 +6234,7 @@
           <p:cNvPr id="6" name="Rectangle 5">
             <a:extLst>
               <a:ext uri="{FF2B5EF4-FFF2-40B4-BE49-F238E27FC236}">
-                <a16:creationId xmlns:a16="http://schemas.microsoft.com/office/drawing/2014/main" id="{3734B797-C46C-471A-AE7A-A9F29DEE5FA0}"/>
+                <a16:creationId xmlns:a16="http://schemas.microsoft.com/office/drawing/2014/main" xmlns="" id="{99FC46CB-9150-42AE-B3EA-C4728C00D570}"/>
               </a:ext>
             </a:extLst>
           </p:cNvPr>
@@ -6525,7 +6244,7 @@
         <p:spPr>
           <a:xfrm>
             <a:off x="191018" y="1268760"/>
-            <a:ext cx="11736836" cy="369332"/>
+            <a:ext cx="11736836" cy="646331"/>
           </a:xfrm>
           <a:prstGeom prst="rect">
             <a:avLst/>
@@ -6539,15 +6258,21 @@
           <a:p>
             <a:r>
               <a:rPr lang="en-US" dirty="0">
-                <a:solidFill>
-                  <a:schemeClr val="tx1">
-                    <a:lumMod val="95000"/>
-                    <a:lumOff val="5000"/>
-                  </a:schemeClr>
-                </a:solidFill>
                 <a:latin typeface="Palatino Linotype" panose="02040502050505030304" pitchFamily="18" charset="0"/>
               </a:rPr>
-              <a:t>These commands are used for managing changes affecting the data.</a:t>
+              <a:t>These SQL commands are used for providing security or access control to database objects ( like table, views, procedures, </a:t>
+            </a:r>
+            <a:r>
+              <a:rPr lang="en-US" dirty="0" err="1">
+                <a:latin typeface="Palatino Linotype" panose="02040502050505030304" pitchFamily="18" charset="0"/>
+              </a:rPr>
+              <a:t>etc</a:t>
+            </a:r>
+            <a:r>
+              <a:rPr lang="en-US" dirty="0">
+                <a:latin typeface="Palatino Linotype" panose="02040502050505030304" pitchFamily="18" charset="0"/>
+              </a:rPr>
+              <a:t>).</a:t>
             </a:r>
             <a:endParaRPr lang="en-IN" dirty="0">
               <a:solidFill>
@@ -6566,7 +6291,7 @@
           <p:cNvPr id="8" name="Rectangle 7">
             <a:extLst>
               <a:ext uri="{FF2B5EF4-FFF2-40B4-BE49-F238E27FC236}">
-                <a16:creationId xmlns:a16="http://schemas.microsoft.com/office/drawing/2014/main" id="{F90503B4-5182-4576-92C3-29BE690CB527}"/>
+                <a16:creationId xmlns:a16="http://schemas.microsoft.com/office/drawing/2014/main" xmlns="" id="{2A76D40B-D621-4774-8592-1DA9E4EB01ED}"/>
               </a:ext>
             </a:extLst>
           </p:cNvPr>
@@ -6575,7 +6300,7 @@
         </p:nvSpPr>
         <p:spPr>
           <a:xfrm>
-            <a:off x="191018" y="2204864"/>
+            <a:off x="191018" y="2420888"/>
             <a:ext cx="11736836" cy="1477328"/>
           </a:xfrm>
           <a:prstGeom prst="rect">
@@ -6593,16 +6318,16 @@
               <a:buChar char="•"/>
             </a:pPr>
             <a:r>
-              <a:rPr lang="en-IN" b="1" dirty="0">
+              <a:rPr lang="en-US" b="1" dirty="0">
                 <a:latin typeface="Palatino Linotype" panose="02040502050505030304" pitchFamily="18" charset="0"/>
               </a:rPr>
-              <a:t>COMMIT: </a:t>
+              <a:t>GRANT:</a:t>
             </a:r>
             <a:r>
               <a:rPr lang="en-US" dirty="0">
                 <a:latin typeface="Palatino Linotype" panose="02040502050505030304" pitchFamily="18" charset="0"/>
               </a:rPr>
-              <a:t>The COMMIT command saves all the transactions or changes to the database since the last COMMIT or ROLLBACK command. After COMMIT the changes cannot be undone.</a:t>
+              <a:t> This command is used to give access or permission to specific users on database objects like table, view, etc.</a:t>
             </a:r>
           </a:p>
           <a:p>
@@ -6629,21 +6354,30 @@
               <a:rPr lang="en-US" b="1" dirty="0">
                 <a:latin typeface="Palatino Linotype" panose="02040502050505030304" pitchFamily="18" charset="0"/>
               </a:rPr>
-              <a:t>ROLLBACK:</a:t>
+              <a:t>REVOKE:</a:t>
             </a:r>
             <a:r>
               <a:rPr lang="en-US" dirty="0">
                 <a:latin typeface="Palatino Linotype" panose="02040502050505030304" pitchFamily="18" charset="0"/>
               </a:rPr>
-              <a:t> The ROLLBACK command is used to undo transactions or changes that have not been saved to the database. </a:t>
-            </a:r>
+              <a:t> The REVOKE command removes user access rights or privileges to the database objects given by using the GRANT command.</a:t>
+            </a:r>
+            <a:endParaRPr lang="en-IN" dirty="0">
+              <a:solidFill>
+                <a:schemeClr val="tx1">
+                  <a:lumMod val="95000"/>
+                  <a:lumOff val="5000"/>
+                </a:schemeClr>
+              </a:solidFill>
+              <a:latin typeface="Palatino Linotype" panose="02040502050505030304" pitchFamily="18" charset="0"/>
+            </a:endParaRPr>
           </a:p>
         </p:txBody>
       </p:sp>
     </p:spTree>
     <p:extLst>
       <p:ext uri="{BB962C8B-B14F-4D97-AF65-F5344CB8AC3E}">
-        <p14:creationId xmlns:p14="http://schemas.microsoft.com/office/powerpoint/2010/main" val="1941358839"/>
+        <p14:creationId xmlns:p14="http://schemas.microsoft.com/office/powerpoint/2010/main" xmlns="" val="4278938251"/>
       </p:ext>
     </p:extLst>
   </p:cSld>
@@ -6798,51 +6532,12 @@
           <a:chExt cx="0" cy="0"/>
         </a:xfrm>
       </p:grpSpPr>
-      <p:sp>
-        <p:nvSpPr>
-          <p:cNvPr id="2" name="Title 1"/>
-          <p:cNvSpPr txBox="1">
-            <a:spLocks/>
-          </p:cNvSpPr>
-          <p:nvPr/>
-        </p:nvSpPr>
-        <p:spPr>
-          <a:xfrm>
-            <a:off x="1676182" y="980728"/>
-            <a:ext cx="8838049" cy="914400"/>
-          </a:xfrm>
-          <a:prstGeom prst="rect">
-            <a:avLst/>
-          </a:prstGeom>
-        </p:spPr>
-        <p:txBody>
-          <a:bodyPr>
-            <a:normAutofit/>
-          </a:bodyPr>
-          <a:lstStyle/>
-          <a:p>
-            <a:pPr algn="ctr">
-              <a:spcBef>
-                <a:spcPct val="0"/>
-              </a:spcBef>
-              <a:defRPr/>
-            </a:pPr>
-            <a:r>
-              <a:rPr lang="en-IN" sz="4800" dirty="0">
-                <a:latin typeface="Segoe UI Light" panose="020B0502040204020203" pitchFamily="34" charset="0"/>
-                <a:cs typeface="Segoe UI Light" panose="020B0502040204020203" pitchFamily="34" charset="0"/>
-              </a:rPr>
-              <a:t>Types Of Constraints</a:t>
-            </a:r>
-          </a:p>
-        </p:txBody>
-      </p:sp>
       <p:pic>
         <p:nvPicPr>
-          <p:cNvPr id="3" name="Picture 2">
+          <p:cNvPr id="4" name="Picture 3">
             <a:extLst>
               <a:ext uri="{FF2B5EF4-FFF2-40B4-BE49-F238E27FC236}">
-                <a16:creationId xmlns:a16="http://schemas.microsoft.com/office/drawing/2014/main" id="{B5C1FD02-D961-4CAF-BF5C-47309320BDE6}"/>
+                <a16:creationId xmlns:a16="http://schemas.microsoft.com/office/drawing/2014/main" xmlns="" id="{4B3E96E4-8532-4FFA-8020-A53D8FBA2F23}"/>
               </a:ext>
             </a:extLst>
           </p:cNvPr>
@@ -6855,7 +6550,7 @@
           <a:blip r:embed="rId2" cstate="print">
             <a:extLst>
               <a:ext uri="{28A0092B-C50C-407E-A947-70E740481C1C}">
-                <a14:useLocalDpi xmlns:a14="http://schemas.microsoft.com/office/drawing/2010/main" val="0"/>
+                <a14:useLocalDpi xmlns:a14="http://schemas.microsoft.com/office/drawing/2010/main" xmlns="" val="0"/>
               </a:ext>
             </a:extLst>
           </a:blip>
@@ -6875,10 +6570,10 @@
       </p:pic>
       <p:sp>
         <p:nvSpPr>
-          <p:cNvPr id="4" name="Footer Placeholder 2">
+          <p:cNvPr id="5" name="Footer Placeholder 2">
             <a:extLst>
               <a:ext uri="{FF2B5EF4-FFF2-40B4-BE49-F238E27FC236}">
-                <a16:creationId xmlns:a16="http://schemas.microsoft.com/office/drawing/2014/main" id="{8AC76C4F-4C95-4C8D-AF8A-E786504CFA0E}"/>
+                <a16:creationId xmlns:a16="http://schemas.microsoft.com/office/drawing/2014/main" xmlns="" id="{70AFCD6D-DBA1-4EE8-A96A-D9652119B5FA}"/>
               </a:ext>
             </a:extLst>
           </p:cNvPr>
@@ -7007,10 +6702,558 @@
       </p:sp>
       <p:sp>
         <p:nvSpPr>
+          <p:cNvPr id="7" name="Rectangle 6">
+            <a:extLst>
+              <a:ext uri="{FF2B5EF4-FFF2-40B4-BE49-F238E27FC236}">
+                <a16:creationId xmlns:a16="http://schemas.microsoft.com/office/drawing/2014/main" xmlns="" id="{09A4DD51-F450-4FA7-BA18-C2A26D10D72C}"/>
+              </a:ext>
+            </a:extLst>
+          </p:cNvPr>
+          <p:cNvSpPr/>
+          <p:nvPr/>
+        </p:nvSpPr>
+        <p:spPr>
+          <a:xfrm>
+            <a:off x="1523802" y="2"/>
+            <a:ext cx="9142810" cy="838499"/>
+          </a:xfrm>
+          <a:prstGeom prst="rect">
+            <a:avLst/>
+          </a:prstGeom>
+          <a:solidFill>
+            <a:schemeClr val="bg1"/>
+          </a:solidFill>
+        </p:spPr>
+        <p:txBody>
+          <a:bodyPr wrap="square">
+            <a:spAutoFit/>
+          </a:bodyPr>
+          <a:lstStyle/>
+          <a:p>
+            <a:pPr algn="r" fontAlgn="base">
+              <a:lnSpc>
+                <a:spcPct val="150000"/>
+              </a:lnSpc>
+            </a:pPr>
+            <a:r>
+              <a:rPr lang="en-US" sz="3600" dirty="0">
+                <a:latin typeface="Palatino Linotype" panose="02040502050505030304" pitchFamily="18" charset="0"/>
+              </a:rPr>
+              <a:t>TCL – </a:t>
+            </a:r>
+            <a:r>
+              <a:rPr lang="en-IN" sz="3600" dirty="0">
+                <a:latin typeface="Palatino Linotype" panose="02040502050505030304" pitchFamily="18" charset="0"/>
+              </a:rPr>
+              <a:t>Transaction Control Language</a:t>
+            </a:r>
+            <a:endParaRPr lang="en-US" sz="3600" dirty="0">
+              <a:latin typeface="Palatino Linotype" panose="02040502050505030304" pitchFamily="18" charset="0"/>
+            </a:endParaRPr>
+          </a:p>
+        </p:txBody>
+      </p:sp>
+      <p:sp>
+        <p:nvSpPr>
+          <p:cNvPr id="6" name="Rectangle 5">
+            <a:extLst>
+              <a:ext uri="{FF2B5EF4-FFF2-40B4-BE49-F238E27FC236}">
+                <a16:creationId xmlns:a16="http://schemas.microsoft.com/office/drawing/2014/main" xmlns="" id="{3734B797-C46C-471A-AE7A-A9F29DEE5FA0}"/>
+              </a:ext>
+            </a:extLst>
+          </p:cNvPr>
+          <p:cNvSpPr/>
+          <p:nvPr/>
+        </p:nvSpPr>
+        <p:spPr>
+          <a:xfrm>
+            <a:off x="191018" y="1268760"/>
+            <a:ext cx="11736836" cy="369332"/>
+          </a:xfrm>
+          <a:prstGeom prst="rect">
+            <a:avLst/>
+          </a:prstGeom>
+        </p:spPr>
+        <p:txBody>
+          <a:bodyPr wrap="square">
+            <a:spAutoFit/>
+          </a:bodyPr>
+          <a:lstStyle/>
+          <a:p>
+            <a:r>
+              <a:rPr lang="en-US" dirty="0">
+                <a:solidFill>
+                  <a:schemeClr val="tx1">
+                    <a:lumMod val="95000"/>
+                    <a:lumOff val="5000"/>
+                  </a:schemeClr>
+                </a:solidFill>
+                <a:latin typeface="Palatino Linotype" panose="02040502050505030304" pitchFamily="18" charset="0"/>
+              </a:rPr>
+              <a:t>These commands are used for managing changes affecting the data.</a:t>
+            </a:r>
+            <a:endParaRPr lang="en-IN" dirty="0">
+              <a:solidFill>
+                <a:schemeClr val="tx1">
+                  <a:lumMod val="95000"/>
+                  <a:lumOff val="5000"/>
+                </a:schemeClr>
+              </a:solidFill>
+              <a:latin typeface="Palatino Linotype" panose="02040502050505030304" pitchFamily="18" charset="0"/>
+            </a:endParaRPr>
+          </a:p>
+        </p:txBody>
+      </p:sp>
+      <p:sp>
+        <p:nvSpPr>
+          <p:cNvPr id="8" name="Rectangle 7">
+            <a:extLst>
+              <a:ext uri="{FF2B5EF4-FFF2-40B4-BE49-F238E27FC236}">
+                <a16:creationId xmlns:a16="http://schemas.microsoft.com/office/drawing/2014/main" xmlns="" id="{F90503B4-5182-4576-92C3-29BE690CB527}"/>
+              </a:ext>
+            </a:extLst>
+          </p:cNvPr>
+          <p:cNvSpPr/>
+          <p:nvPr/>
+        </p:nvSpPr>
+        <p:spPr>
+          <a:xfrm>
+            <a:off x="191018" y="2204864"/>
+            <a:ext cx="11736836" cy="1477328"/>
+          </a:xfrm>
+          <a:prstGeom prst="rect">
+            <a:avLst/>
+          </a:prstGeom>
+        </p:spPr>
+        <p:txBody>
+          <a:bodyPr wrap="square">
+            <a:spAutoFit/>
+          </a:bodyPr>
+          <a:lstStyle/>
+          <a:p>
+            <a:pPr marL="285750" indent="-285750">
+              <a:buFont typeface="Arial" panose="020B0604020202020204" pitchFamily="34" charset="0"/>
+              <a:buChar char="•"/>
+            </a:pPr>
+            <a:r>
+              <a:rPr lang="en-IN" b="1" dirty="0">
+                <a:latin typeface="Palatino Linotype" panose="02040502050505030304" pitchFamily="18" charset="0"/>
+              </a:rPr>
+              <a:t>COMMIT: </a:t>
+            </a:r>
+            <a:r>
+              <a:rPr lang="en-US" dirty="0">
+                <a:latin typeface="Palatino Linotype" panose="02040502050505030304" pitchFamily="18" charset="0"/>
+              </a:rPr>
+              <a:t>The COMMIT command saves all the transactions or changes to the database since the last COMMIT or ROLLBACK command. After COMMIT the changes cannot be undone.</a:t>
+            </a:r>
+          </a:p>
+          <a:p>
+            <a:pPr marL="285750" indent="-285750">
+              <a:buFont typeface="Arial" panose="020B0604020202020204" pitchFamily="34" charset="0"/>
+              <a:buChar char="•"/>
+            </a:pPr>
+            <a:endParaRPr lang="en-US" dirty="0">
+              <a:solidFill>
+                <a:schemeClr val="tx1">
+                  <a:lumMod val="95000"/>
+                  <a:lumOff val="5000"/>
+                </a:schemeClr>
+              </a:solidFill>
+              <a:latin typeface="Palatino Linotype" panose="02040502050505030304" pitchFamily="18" charset="0"/>
+            </a:endParaRPr>
+          </a:p>
+          <a:p>
+            <a:pPr marL="285750" indent="-285750">
+              <a:buFont typeface="Arial" panose="020B0604020202020204" pitchFamily="34" charset="0"/>
+              <a:buChar char="•"/>
+            </a:pPr>
+            <a:r>
+              <a:rPr lang="en-US" b="1" dirty="0">
+                <a:latin typeface="Palatino Linotype" panose="02040502050505030304" pitchFamily="18" charset="0"/>
+              </a:rPr>
+              <a:t>ROLLBACK:</a:t>
+            </a:r>
+            <a:r>
+              <a:rPr lang="en-US" dirty="0">
+                <a:latin typeface="Palatino Linotype" panose="02040502050505030304" pitchFamily="18" charset="0"/>
+              </a:rPr>
+              <a:t> The ROLLBACK command is used to undo transactions or changes that have not been saved to the database. </a:t>
+            </a:r>
+          </a:p>
+        </p:txBody>
+      </p:sp>
+    </p:spTree>
+    <p:extLst>
+      <p:ext uri="{BB962C8B-B14F-4D97-AF65-F5344CB8AC3E}">
+        <p14:creationId xmlns:p14="http://schemas.microsoft.com/office/powerpoint/2010/main" xmlns="" val="1941358839"/>
+      </p:ext>
+    </p:extLst>
+  </p:cSld>
+  <p:clrMapOvr>
+    <a:masterClrMapping/>
+  </p:clrMapOvr>
+  <p:timing>
+    <p:tnLst>
+      <p:par>
+        <p:cTn id="1" dur="indefinite" restart="never" nodeType="tmRoot">
+          <p:childTnLst>
+            <p:seq concurrent="1" nextAc="seek">
+              <p:cTn id="2" dur="indefinite" nodeType="mainSeq">
+                <p:childTnLst>
+                  <p:par>
+                    <p:cTn id="3" fill="hold">
+                      <p:stCondLst>
+                        <p:cond delay="indefinite"/>
+                      </p:stCondLst>
+                      <p:childTnLst>
+                        <p:par>
+                          <p:cTn id="4" fill="hold">
+                            <p:stCondLst>
+                              <p:cond delay="0"/>
+                            </p:stCondLst>
+                            <p:childTnLst>
+                              <p:par>
+                                <p:cTn id="5" presetID="1" presetClass="entr" presetSubtype="0" fill="hold" nodeType="clickEffect">
+                                  <p:stCondLst>
+                                    <p:cond delay="0"/>
+                                  </p:stCondLst>
+                                  <p:childTnLst>
+                                    <p:set>
+                                      <p:cBhvr>
+                                        <p:cTn id="6" dur="1" fill="hold">
+                                          <p:stCondLst>
+                                            <p:cond delay="0"/>
+                                          </p:stCondLst>
+                                        </p:cTn>
+                                        <p:tgtEl>
+                                          <p:spTgt spid="8">
+                                            <p:txEl>
+                                              <p:pRg st="0" end="0"/>
+                                            </p:txEl>
+                                          </p:spTgt>
+                                        </p:tgtEl>
+                                        <p:attrNameLst>
+                                          <p:attrName>style.visibility</p:attrName>
+                                        </p:attrNameLst>
+                                      </p:cBhvr>
+                                      <p:to>
+                                        <p:strVal val="visible"/>
+                                      </p:to>
+                                    </p:set>
+                                  </p:childTnLst>
+                                </p:cTn>
+                              </p:par>
+                            </p:childTnLst>
+                          </p:cTn>
+                        </p:par>
+                      </p:childTnLst>
+                    </p:cTn>
+                  </p:par>
+                  <p:par>
+                    <p:cTn id="7" fill="hold">
+                      <p:stCondLst>
+                        <p:cond delay="indefinite"/>
+                      </p:stCondLst>
+                      <p:childTnLst>
+                        <p:par>
+                          <p:cTn id="8" fill="hold">
+                            <p:stCondLst>
+                              <p:cond delay="0"/>
+                            </p:stCondLst>
+                            <p:childTnLst>
+                              <p:par>
+                                <p:cTn id="9" presetID="1" presetClass="entr" presetSubtype="0" fill="hold" nodeType="clickEffect">
+                                  <p:stCondLst>
+                                    <p:cond delay="0"/>
+                                  </p:stCondLst>
+                                  <p:childTnLst>
+                                    <p:set>
+                                      <p:cBhvr>
+                                        <p:cTn id="10" dur="1" fill="hold">
+                                          <p:stCondLst>
+                                            <p:cond delay="0"/>
+                                          </p:stCondLst>
+                                        </p:cTn>
+                                        <p:tgtEl>
+                                          <p:spTgt spid="8">
+                                            <p:txEl>
+                                              <p:pRg st="2" end="2"/>
+                                            </p:txEl>
+                                          </p:spTgt>
+                                        </p:tgtEl>
+                                        <p:attrNameLst>
+                                          <p:attrName>style.visibility</p:attrName>
+                                        </p:attrNameLst>
+                                      </p:cBhvr>
+                                      <p:to>
+                                        <p:strVal val="visible"/>
+                                      </p:to>
+                                    </p:set>
+                                  </p:childTnLst>
+                                </p:cTn>
+                              </p:par>
+                            </p:childTnLst>
+                          </p:cTn>
+                        </p:par>
+                      </p:childTnLst>
+                    </p:cTn>
+                  </p:par>
+                </p:childTnLst>
+              </p:cTn>
+              <p:prevCondLst>
+                <p:cond evt="onPrev" delay="0">
+                  <p:tgtEl>
+                    <p:sldTgt/>
+                  </p:tgtEl>
+                </p:cond>
+              </p:prevCondLst>
+              <p:nextCondLst>
+                <p:cond evt="onNext" delay="0">
+                  <p:tgtEl>
+                    <p:sldTgt/>
+                  </p:tgtEl>
+                </p:cond>
+              </p:nextCondLst>
+            </p:seq>
+          </p:childTnLst>
+        </p:cTn>
+      </p:par>
+    </p:tnLst>
+  </p:timing>
+</p:sld>
+</file>
+
+<file path=ppt/slides/slide7.xml><?xml version="1.0" encoding="utf-8"?>
+<p:sld xmlns:a="http://schemas.openxmlformats.org/drawingml/2006/main" xmlns:r="http://schemas.openxmlformats.org/officeDocument/2006/relationships" xmlns:p="http://schemas.openxmlformats.org/presentationml/2006/main">
+  <p:cSld>
+    <p:spTree>
+      <p:nvGrpSpPr>
+        <p:cNvPr id="1" name=""/>
+        <p:cNvGrpSpPr/>
+        <p:nvPr/>
+      </p:nvGrpSpPr>
+      <p:grpSpPr>
+        <a:xfrm>
+          <a:off x="0" y="0"/>
+          <a:ext cx="0" cy="0"/>
+          <a:chOff x="0" y="0"/>
+          <a:chExt cx="0" cy="0"/>
+        </a:xfrm>
+      </p:grpSpPr>
+      <p:sp>
+        <p:nvSpPr>
+          <p:cNvPr id="2" name="Title 1"/>
+          <p:cNvSpPr txBox="1">
+            <a:spLocks/>
+          </p:cNvSpPr>
+          <p:nvPr/>
+        </p:nvSpPr>
+        <p:spPr>
+          <a:xfrm>
+            <a:off x="1676182" y="980728"/>
+            <a:ext cx="8838049" cy="914400"/>
+          </a:xfrm>
+          <a:prstGeom prst="rect">
+            <a:avLst/>
+          </a:prstGeom>
+        </p:spPr>
+        <p:txBody>
+          <a:bodyPr>
+            <a:normAutofit/>
+          </a:bodyPr>
+          <a:lstStyle/>
+          <a:p>
+            <a:pPr algn="ctr">
+              <a:spcBef>
+                <a:spcPct val="0"/>
+              </a:spcBef>
+              <a:defRPr/>
+            </a:pPr>
+            <a:r>
+              <a:rPr lang="en-IN" sz="4800" dirty="0">
+                <a:latin typeface="Segoe UI Light" panose="020B0502040204020203" pitchFamily="34" charset="0"/>
+                <a:cs typeface="Segoe UI Light" panose="020B0502040204020203" pitchFamily="34" charset="0"/>
+              </a:rPr>
+              <a:t>Types Of Constraints</a:t>
+            </a:r>
+          </a:p>
+        </p:txBody>
+      </p:sp>
+      <p:pic>
+        <p:nvPicPr>
+          <p:cNvPr id="3" name="Picture 2">
+            <a:extLst>
+              <a:ext uri="{FF2B5EF4-FFF2-40B4-BE49-F238E27FC236}">
+                <a16:creationId xmlns:a16="http://schemas.microsoft.com/office/drawing/2014/main" xmlns="" id="{B5C1FD02-D961-4CAF-BF5C-47309320BDE6}"/>
+              </a:ext>
+            </a:extLst>
+          </p:cNvPr>
+          <p:cNvPicPr>
+            <a:picLocks noChangeAspect="1"/>
+          </p:cNvPicPr>
+          <p:nvPr/>
+        </p:nvPicPr>
+        <p:blipFill>
+          <a:blip r:embed="rId2" cstate="print">
+            <a:extLst>
+              <a:ext uri="{28A0092B-C50C-407E-A947-70E740481C1C}">
+                <a14:useLocalDpi xmlns:a14="http://schemas.microsoft.com/office/drawing/2010/main" xmlns="" val="0"/>
+              </a:ext>
+            </a:extLst>
+          </a:blip>
+          <a:stretch>
+            <a:fillRect/>
+          </a:stretch>
+        </p:blipFill>
+        <p:spPr>
+          <a:xfrm>
+            <a:off x="118542" y="116632"/>
+            <a:ext cx="1371859" cy="445150"/>
+          </a:xfrm>
+          <a:prstGeom prst="rect">
+            <a:avLst/>
+          </a:prstGeom>
+        </p:spPr>
+      </p:pic>
+      <p:sp>
+        <p:nvSpPr>
+          <p:cNvPr id="4" name="Footer Placeholder 2">
+            <a:extLst>
+              <a:ext uri="{FF2B5EF4-FFF2-40B4-BE49-F238E27FC236}">
+                <a16:creationId xmlns:a16="http://schemas.microsoft.com/office/drawing/2014/main" xmlns="" id="{8AC76C4F-4C95-4C8D-AF8A-E786504CFA0E}"/>
+              </a:ext>
+            </a:extLst>
+          </p:cNvPr>
+          <p:cNvSpPr txBox="1">
+            <a:spLocks/>
+          </p:cNvSpPr>
+          <p:nvPr/>
+        </p:nvSpPr>
+        <p:spPr>
+          <a:xfrm>
+            <a:off x="3237431" y="6523037"/>
+            <a:ext cx="5400600" cy="365125"/>
+          </a:xfrm>
+          <a:prstGeom prst="rect">
+            <a:avLst/>
+          </a:prstGeom>
+        </p:spPr>
+        <p:txBody>
+          <a:bodyPr/>
+          <a:lstStyle>
+            <a:defPPr>
+              <a:defRPr lang="en-US"/>
+            </a:defPPr>
+            <a:lvl1pPr marL="0" algn="l" defTabSz="914400" rtl="0" eaLnBrk="1" latinLnBrk="0" hangingPunct="1">
+              <a:defRPr sz="1050" kern="1200">
+                <a:solidFill>
+                  <a:schemeClr val="tx1"/>
+                </a:solidFill>
+                <a:latin typeface="+mn-lt"/>
+                <a:ea typeface="+mn-ea"/>
+                <a:cs typeface="+mn-cs"/>
+              </a:defRPr>
+            </a:lvl1pPr>
+            <a:lvl2pPr marL="457200" algn="l" defTabSz="914400" rtl="0" eaLnBrk="1" latinLnBrk="0" hangingPunct="1">
+              <a:defRPr sz="1800" kern="1200">
+                <a:solidFill>
+                  <a:schemeClr val="tx1"/>
+                </a:solidFill>
+                <a:latin typeface="+mn-lt"/>
+                <a:ea typeface="+mn-ea"/>
+                <a:cs typeface="+mn-cs"/>
+              </a:defRPr>
+            </a:lvl2pPr>
+            <a:lvl3pPr marL="914400" algn="l" defTabSz="914400" rtl="0" eaLnBrk="1" latinLnBrk="0" hangingPunct="1">
+              <a:defRPr sz="1800" kern="1200">
+                <a:solidFill>
+                  <a:schemeClr val="tx1"/>
+                </a:solidFill>
+                <a:latin typeface="+mn-lt"/>
+                <a:ea typeface="+mn-ea"/>
+                <a:cs typeface="+mn-cs"/>
+              </a:defRPr>
+            </a:lvl3pPr>
+            <a:lvl4pPr marL="1371600" algn="l" defTabSz="914400" rtl="0" eaLnBrk="1" latinLnBrk="0" hangingPunct="1">
+              <a:defRPr sz="1800" kern="1200">
+                <a:solidFill>
+                  <a:schemeClr val="tx1"/>
+                </a:solidFill>
+                <a:latin typeface="+mn-lt"/>
+                <a:ea typeface="+mn-ea"/>
+                <a:cs typeface="+mn-cs"/>
+              </a:defRPr>
+            </a:lvl4pPr>
+            <a:lvl5pPr marL="1828800" algn="l" defTabSz="914400" rtl="0" eaLnBrk="1" latinLnBrk="0" hangingPunct="1">
+              <a:defRPr sz="1800" kern="1200">
+                <a:solidFill>
+                  <a:schemeClr val="tx1"/>
+                </a:solidFill>
+                <a:latin typeface="+mn-lt"/>
+                <a:ea typeface="+mn-ea"/>
+                <a:cs typeface="+mn-cs"/>
+              </a:defRPr>
+            </a:lvl5pPr>
+            <a:lvl6pPr marL="2286000" algn="l" defTabSz="914400" rtl="0" eaLnBrk="1" latinLnBrk="0" hangingPunct="1">
+              <a:defRPr sz="1800" kern="1200">
+                <a:solidFill>
+                  <a:schemeClr val="tx1"/>
+                </a:solidFill>
+                <a:latin typeface="+mn-lt"/>
+                <a:ea typeface="+mn-ea"/>
+                <a:cs typeface="+mn-cs"/>
+              </a:defRPr>
+            </a:lvl6pPr>
+            <a:lvl7pPr marL="2743200" algn="l" defTabSz="914400" rtl="0" eaLnBrk="1" latinLnBrk="0" hangingPunct="1">
+              <a:defRPr sz="1800" kern="1200">
+                <a:solidFill>
+                  <a:schemeClr val="tx1"/>
+                </a:solidFill>
+                <a:latin typeface="+mn-lt"/>
+                <a:ea typeface="+mn-ea"/>
+                <a:cs typeface="+mn-cs"/>
+              </a:defRPr>
+            </a:lvl7pPr>
+            <a:lvl8pPr marL="3200400" algn="l" defTabSz="914400" rtl="0" eaLnBrk="1" latinLnBrk="0" hangingPunct="1">
+              <a:defRPr sz="1800" kern="1200">
+                <a:solidFill>
+                  <a:schemeClr val="tx1"/>
+                </a:solidFill>
+                <a:latin typeface="+mn-lt"/>
+                <a:ea typeface="+mn-ea"/>
+                <a:cs typeface="+mn-cs"/>
+              </a:defRPr>
+            </a:lvl8pPr>
+            <a:lvl9pPr marL="3657600" algn="l" defTabSz="914400" rtl="0" eaLnBrk="1" latinLnBrk="0" hangingPunct="1">
+              <a:defRPr sz="1800" kern="1200">
+                <a:solidFill>
+                  <a:schemeClr val="tx1"/>
+                </a:solidFill>
+                <a:latin typeface="+mn-lt"/>
+                <a:ea typeface="+mn-ea"/>
+                <a:cs typeface="+mn-cs"/>
+              </a:defRPr>
+            </a:lvl9pPr>
+          </a:lstStyle>
+          <a:p>
+            <a:r>
+              <a:rPr lang="en-US" dirty="0"/>
+              <a:t>Infoway Technologies, 3rd  Floor Commerce Centre, Rambaug Colony, Paud Road Pune 411038</a:t>
+            </a:r>
+            <a:endParaRPr lang="en-IN" dirty="0"/>
+          </a:p>
+          <a:p>
+            <a:endParaRPr lang="en-US" dirty="0"/>
+          </a:p>
+        </p:txBody>
+      </p:sp>
+      <p:sp>
+        <p:nvSpPr>
           <p:cNvPr id="5" name="Rectangle 4">
             <a:extLst>
               <a:ext uri="{FF2B5EF4-FFF2-40B4-BE49-F238E27FC236}">
-                <a16:creationId xmlns:a16="http://schemas.microsoft.com/office/drawing/2014/main" id="{03071795-478D-4709-A352-9F853A16EEBD}"/>
+                <a16:creationId xmlns:a16="http://schemas.microsoft.com/office/drawing/2014/main" xmlns="" id="{03071795-478D-4709-A352-9F853A16EEBD}"/>
               </a:ext>
             </a:extLst>
           </p:cNvPr>
@@ -7173,7 +7416,7 @@
           <p:cNvPr id="7" name="Rectangle 6">
             <a:extLst>
               <a:ext uri="{FF2B5EF4-FFF2-40B4-BE49-F238E27FC236}">
-                <a16:creationId xmlns:a16="http://schemas.microsoft.com/office/drawing/2014/main" id="{E17A2215-8C14-4673-870B-EF9F83C253A5}"/>
+                <a16:creationId xmlns:a16="http://schemas.microsoft.com/office/drawing/2014/main" xmlns="" id="{E17A2215-8C14-4673-870B-EF9F83C253A5}"/>
               </a:ext>
             </a:extLst>
           </p:cNvPr>
@@ -7220,7 +7463,7 @@
     </p:spTree>
     <p:extLst>
       <p:ext uri="{BB962C8B-B14F-4D97-AF65-F5344CB8AC3E}">
-        <p14:creationId xmlns:p14="http://schemas.microsoft.com/office/powerpoint/2010/main" val="1393101240"/>
+        <p14:creationId xmlns:p14="http://schemas.microsoft.com/office/powerpoint/2010/main" xmlns="" val="1393101240"/>
       </p:ext>
     </p:extLst>
   </p:cSld>
